--- a/Tutorial_2/Tutorial_2.pptx
+++ b/Tutorial_2/Tutorial_2.pptx
@@ -4,29 +4,33 @@
   <p:sldMasterIdLst>
     <p:sldMasterId id="2147483648" r:id="rId1"/>
   </p:sldMasterIdLst>
+  <p:notesMasterIdLst>
+    <p:notesMasterId r:id="rId25"/>
+  </p:notesMasterIdLst>
   <p:sldIdLst>
     <p:sldId id="256" r:id="rId2"/>
     <p:sldId id="257" r:id="rId3"/>
     <p:sldId id="258" r:id="rId4"/>
     <p:sldId id="259" r:id="rId5"/>
-    <p:sldId id="260" r:id="rId6"/>
-    <p:sldId id="261" r:id="rId7"/>
-    <p:sldId id="262" r:id="rId8"/>
-    <p:sldId id="263" r:id="rId9"/>
-    <p:sldId id="264" r:id="rId10"/>
-    <p:sldId id="265" r:id="rId11"/>
-    <p:sldId id="266" r:id="rId12"/>
-    <p:sldId id="267" r:id="rId13"/>
-    <p:sldId id="268" r:id="rId14"/>
-    <p:sldId id="269" r:id="rId15"/>
-    <p:sldId id="270" r:id="rId16"/>
-    <p:sldId id="271" r:id="rId17"/>
-    <p:sldId id="283" r:id="rId18"/>
-    <p:sldId id="273" r:id="rId19"/>
-    <p:sldId id="274" r:id="rId20"/>
-    <p:sldId id="275" r:id="rId21"/>
-    <p:sldId id="276" r:id="rId22"/>
-    <p:sldId id="277" r:id="rId23"/>
+    <p:sldId id="284" r:id="rId6"/>
+    <p:sldId id="260" r:id="rId7"/>
+    <p:sldId id="261" r:id="rId8"/>
+    <p:sldId id="262" r:id="rId9"/>
+    <p:sldId id="263" r:id="rId10"/>
+    <p:sldId id="264" r:id="rId11"/>
+    <p:sldId id="265" r:id="rId12"/>
+    <p:sldId id="266" r:id="rId13"/>
+    <p:sldId id="267" r:id="rId14"/>
+    <p:sldId id="268" r:id="rId15"/>
+    <p:sldId id="269" r:id="rId16"/>
+    <p:sldId id="270" r:id="rId17"/>
+    <p:sldId id="271" r:id="rId18"/>
+    <p:sldId id="283" r:id="rId19"/>
+    <p:sldId id="273" r:id="rId20"/>
+    <p:sldId id="274" r:id="rId21"/>
+    <p:sldId id="275" r:id="rId22"/>
+    <p:sldId id="276" r:id="rId23"/>
+    <p:sldId id="277" r:id="rId24"/>
   </p:sldIdLst>
   <p:sldSz cx="9144000" cy="5143500" type="screen16x9"/>
   <p:notesSz cx="6858000" cy="9144000"/>
@@ -144,6 +148,440 @@
 </p:presentation>
 </file>
 
+<file path=ppt/notesMasters/notesMaster1.xml><?xml version="1.0" encoding="utf-8"?>
+<p:notesMaster xmlns:a="http://schemas.openxmlformats.org/drawingml/2006/main" xmlns:r="http://schemas.openxmlformats.org/officeDocument/2006/relationships" xmlns:p="http://schemas.openxmlformats.org/presentationml/2006/main">
+  <p:cSld>
+    <p:bg>
+      <p:bgRef idx="1001">
+        <a:schemeClr val="bg1"/>
+      </p:bgRef>
+    </p:bg>
+    <p:spTree>
+      <p:nvGrpSpPr>
+        <p:cNvPr id="1" name=""/>
+        <p:cNvGrpSpPr/>
+        <p:nvPr/>
+      </p:nvGrpSpPr>
+      <p:grpSpPr>
+        <a:xfrm>
+          <a:off x="0" y="0"/>
+          <a:ext cx="0" cy="0"/>
+          <a:chOff x="0" y="0"/>
+          <a:chExt cx="0" cy="0"/>
+        </a:xfrm>
+      </p:grpSpPr>
+      <p:sp>
+        <p:nvSpPr>
+          <p:cNvPr id="2" name="Header Placeholder 1"/>
+          <p:cNvSpPr>
+            <a:spLocks noGrp="1"/>
+          </p:cNvSpPr>
+          <p:nvPr>
+            <p:ph type="hdr" sz="quarter"/>
+          </p:nvPr>
+        </p:nvSpPr>
+        <p:spPr>
+          <a:xfrm>
+            <a:off x="0" y="0"/>
+            <a:ext cx="2971800" cy="458788"/>
+          </a:xfrm>
+          <a:prstGeom prst="rect">
+            <a:avLst/>
+          </a:prstGeom>
+        </p:spPr>
+        <p:txBody>
+          <a:bodyPr vert="horz" lIns="91440" tIns="45720" rIns="91440" bIns="45720" rtlCol="0"/>
+          <a:lstStyle>
+            <a:lvl1pPr algn="l">
+              <a:defRPr sz="1200"/>
+            </a:lvl1pPr>
+          </a:lstStyle>
+          <a:p>
+            <a:endParaRPr lang="en-CY"/>
+          </a:p>
+        </p:txBody>
+      </p:sp>
+      <p:sp>
+        <p:nvSpPr>
+          <p:cNvPr id="3" name="Date Placeholder 2"/>
+          <p:cNvSpPr>
+            <a:spLocks noGrp="1"/>
+          </p:cNvSpPr>
+          <p:nvPr>
+            <p:ph type="dt" idx="1"/>
+          </p:nvPr>
+        </p:nvSpPr>
+        <p:spPr>
+          <a:xfrm>
+            <a:off x="3884613" y="0"/>
+            <a:ext cx="2971800" cy="458788"/>
+          </a:xfrm>
+          <a:prstGeom prst="rect">
+            <a:avLst/>
+          </a:prstGeom>
+        </p:spPr>
+        <p:txBody>
+          <a:bodyPr vert="horz" lIns="91440" tIns="45720" rIns="91440" bIns="45720" rtlCol="0"/>
+          <a:lstStyle>
+            <a:lvl1pPr algn="r">
+              <a:defRPr sz="1200"/>
+            </a:lvl1pPr>
+          </a:lstStyle>
+          <a:p>
+            <a:fld id="{F6E1D31B-6B13-4257-9F86-3DFDAD6AD69F}" type="datetimeFigureOut">
+              <a:rPr lang="en-CY" smtClean="0"/>
+              <a:t>02/10/2024</a:t>
+            </a:fld>
+            <a:endParaRPr lang="en-CY"/>
+          </a:p>
+        </p:txBody>
+      </p:sp>
+      <p:sp>
+        <p:nvSpPr>
+          <p:cNvPr id="4" name="Slide Image Placeholder 3"/>
+          <p:cNvSpPr>
+            <a:spLocks noGrp="1" noRot="1" noChangeAspect="1"/>
+          </p:cNvSpPr>
+          <p:nvPr>
+            <p:ph type="sldImg" idx="2"/>
+          </p:nvPr>
+        </p:nvSpPr>
+        <p:spPr>
+          <a:xfrm>
+            <a:off x="685800" y="1143000"/>
+            <a:ext cx="5486400" cy="3086100"/>
+          </a:xfrm>
+          <a:prstGeom prst="rect">
+            <a:avLst/>
+          </a:prstGeom>
+          <a:noFill/>
+          <a:ln w="12700">
+            <a:solidFill>
+              <a:prstClr val="black"/>
+            </a:solidFill>
+          </a:ln>
+        </p:spPr>
+        <p:txBody>
+          <a:bodyPr vert="horz" lIns="91440" tIns="45720" rIns="91440" bIns="45720" rtlCol="0" anchor="ctr"/>
+          <a:lstStyle/>
+          <a:p>
+            <a:endParaRPr lang="en-CY"/>
+          </a:p>
+        </p:txBody>
+      </p:sp>
+      <p:sp>
+        <p:nvSpPr>
+          <p:cNvPr id="5" name="Notes Placeholder 4"/>
+          <p:cNvSpPr>
+            <a:spLocks noGrp="1"/>
+          </p:cNvSpPr>
+          <p:nvPr>
+            <p:ph type="body" sz="quarter" idx="3"/>
+          </p:nvPr>
+        </p:nvSpPr>
+        <p:spPr>
+          <a:xfrm>
+            <a:off x="685800" y="4400550"/>
+            <a:ext cx="5486400" cy="3600450"/>
+          </a:xfrm>
+          <a:prstGeom prst="rect">
+            <a:avLst/>
+          </a:prstGeom>
+        </p:spPr>
+        <p:txBody>
+          <a:bodyPr vert="horz" lIns="91440" tIns="45720" rIns="91440" bIns="45720" rtlCol="0"/>
+          <a:lstStyle/>
+          <a:p>
+            <a:pPr lvl="0"/>
+            <a:r>
+              <a:rPr lang="en-US"/>
+              <a:t>Click to edit Master text styles</a:t>
+            </a:r>
+          </a:p>
+          <a:p>
+            <a:pPr lvl="1"/>
+            <a:r>
+              <a:rPr lang="en-US"/>
+              <a:t>Second level</a:t>
+            </a:r>
+          </a:p>
+          <a:p>
+            <a:pPr lvl="2"/>
+            <a:r>
+              <a:rPr lang="en-US"/>
+              <a:t>Third level</a:t>
+            </a:r>
+          </a:p>
+          <a:p>
+            <a:pPr lvl="3"/>
+            <a:r>
+              <a:rPr lang="en-US"/>
+              <a:t>Fourth level</a:t>
+            </a:r>
+          </a:p>
+          <a:p>
+            <a:pPr lvl="4"/>
+            <a:r>
+              <a:rPr lang="en-US"/>
+              <a:t>Fifth level</a:t>
+            </a:r>
+            <a:endParaRPr lang="en-CY"/>
+          </a:p>
+        </p:txBody>
+      </p:sp>
+      <p:sp>
+        <p:nvSpPr>
+          <p:cNvPr id="6" name="Footer Placeholder 5"/>
+          <p:cNvSpPr>
+            <a:spLocks noGrp="1"/>
+          </p:cNvSpPr>
+          <p:nvPr>
+            <p:ph type="ftr" sz="quarter" idx="4"/>
+          </p:nvPr>
+        </p:nvSpPr>
+        <p:spPr>
+          <a:xfrm>
+            <a:off x="0" y="8685213"/>
+            <a:ext cx="2971800" cy="458787"/>
+          </a:xfrm>
+          <a:prstGeom prst="rect">
+            <a:avLst/>
+          </a:prstGeom>
+        </p:spPr>
+        <p:txBody>
+          <a:bodyPr vert="horz" lIns="91440" tIns="45720" rIns="91440" bIns="45720" rtlCol="0" anchor="b"/>
+          <a:lstStyle>
+            <a:lvl1pPr algn="l">
+              <a:defRPr sz="1200"/>
+            </a:lvl1pPr>
+          </a:lstStyle>
+          <a:p>
+            <a:endParaRPr lang="en-CY"/>
+          </a:p>
+        </p:txBody>
+      </p:sp>
+      <p:sp>
+        <p:nvSpPr>
+          <p:cNvPr id="7" name="Slide Number Placeholder 6"/>
+          <p:cNvSpPr>
+            <a:spLocks noGrp="1"/>
+          </p:cNvSpPr>
+          <p:nvPr>
+            <p:ph type="sldNum" sz="quarter" idx="5"/>
+          </p:nvPr>
+        </p:nvSpPr>
+        <p:spPr>
+          <a:xfrm>
+            <a:off x="3884613" y="8685213"/>
+            <a:ext cx="2971800" cy="458787"/>
+          </a:xfrm>
+          <a:prstGeom prst="rect">
+            <a:avLst/>
+          </a:prstGeom>
+        </p:spPr>
+        <p:txBody>
+          <a:bodyPr vert="horz" lIns="91440" tIns="45720" rIns="91440" bIns="45720" rtlCol="0" anchor="b"/>
+          <a:lstStyle>
+            <a:lvl1pPr algn="r">
+              <a:defRPr sz="1200"/>
+            </a:lvl1pPr>
+          </a:lstStyle>
+          <a:p>
+            <a:fld id="{41493451-1B1F-430B-9FE2-43C0FE26A47F}" type="slidenum">
+              <a:rPr lang="en-CY" smtClean="0"/>
+              <a:t>‹#›</a:t>
+            </a:fld>
+            <a:endParaRPr lang="en-CY"/>
+          </a:p>
+        </p:txBody>
+      </p:sp>
+    </p:spTree>
+    <p:extLst>
+      <p:ext uri="{BB962C8B-B14F-4D97-AF65-F5344CB8AC3E}">
+        <p14:creationId xmlns:p14="http://schemas.microsoft.com/office/powerpoint/2010/main" val="3452336168"/>
+      </p:ext>
+    </p:extLst>
+  </p:cSld>
+  <p:clrMap bg1="lt1" tx1="dk1" bg2="lt2" tx2="dk2" accent1="accent1" accent2="accent2" accent3="accent3" accent4="accent4" accent5="accent5" accent6="accent6" hlink="hlink" folHlink="folHlink"/>
+  <p:notesStyle>
+    <a:lvl1pPr marL="0" algn="l" defTabSz="914400" rtl="0" eaLnBrk="1" latinLnBrk="0" hangingPunct="1">
+      <a:defRPr sz="1200" kern="1200">
+        <a:solidFill>
+          <a:schemeClr val="tx1"/>
+        </a:solidFill>
+        <a:latin typeface="+mn-lt"/>
+        <a:ea typeface="+mn-ea"/>
+        <a:cs typeface="+mn-cs"/>
+      </a:defRPr>
+    </a:lvl1pPr>
+    <a:lvl2pPr marL="457200" algn="l" defTabSz="914400" rtl="0" eaLnBrk="1" latinLnBrk="0" hangingPunct="1">
+      <a:defRPr sz="1200" kern="1200">
+        <a:solidFill>
+          <a:schemeClr val="tx1"/>
+        </a:solidFill>
+        <a:latin typeface="+mn-lt"/>
+        <a:ea typeface="+mn-ea"/>
+        <a:cs typeface="+mn-cs"/>
+      </a:defRPr>
+    </a:lvl2pPr>
+    <a:lvl3pPr marL="914400" algn="l" defTabSz="914400" rtl="0" eaLnBrk="1" latinLnBrk="0" hangingPunct="1">
+      <a:defRPr sz="1200" kern="1200">
+        <a:solidFill>
+          <a:schemeClr val="tx1"/>
+        </a:solidFill>
+        <a:latin typeface="+mn-lt"/>
+        <a:ea typeface="+mn-ea"/>
+        <a:cs typeface="+mn-cs"/>
+      </a:defRPr>
+    </a:lvl3pPr>
+    <a:lvl4pPr marL="1371600" algn="l" defTabSz="914400" rtl="0" eaLnBrk="1" latinLnBrk="0" hangingPunct="1">
+      <a:defRPr sz="1200" kern="1200">
+        <a:solidFill>
+          <a:schemeClr val="tx1"/>
+        </a:solidFill>
+        <a:latin typeface="+mn-lt"/>
+        <a:ea typeface="+mn-ea"/>
+        <a:cs typeface="+mn-cs"/>
+      </a:defRPr>
+    </a:lvl4pPr>
+    <a:lvl5pPr marL="1828800" algn="l" defTabSz="914400" rtl="0" eaLnBrk="1" latinLnBrk="0" hangingPunct="1">
+      <a:defRPr sz="1200" kern="1200">
+        <a:solidFill>
+          <a:schemeClr val="tx1"/>
+        </a:solidFill>
+        <a:latin typeface="+mn-lt"/>
+        <a:ea typeface="+mn-ea"/>
+        <a:cs typeface="+mn-cs"/>
+      </a:defRPr>
+    </a:lvl5pPr>
+    <a:lvl6pPr marL="2286000" algn="l" defTabSz="914400" rtl="0" eaLnBrk="1" latinLnBrk="0" hangingPunct="1">
+      <a:defRPr sz="1200" kern="1200">
+        <a:solidFill>
+          <a:schemeClr val="tx1"/>
+        </a:solidFill>
+        <a:latin typeface="+mn-lt"/>
+        <a:ea typeface="+mn-ea"/>
+        <a:cs typeface="+mn-cs"/>
+      </a:defRPr>
+    </a:lvl6pPr>
+    <a:lvl7pPr marL="2743200" algn="l" defTabSz="914400" rtl="0" eaLnBrk="1" latinLnBrk="0" hangingPunct="1">
+      <a:defRPr sz="1200" kern="1200">
+        <a:solidFill>
+          <a:schemeClr val="tx1"/>
+        </a:solidFill>
+        <a:latin typeface="+mn-lt"/>
+        <a:ea typeface="+mn-ea"/>
+        <a:cs typeface="+mn-cs"/>
+      </a:defRPr>
+    </a:lvl7pPr>
+    <a:lvl8pPr marL="3200400" algn="l" defTabSz="914400" rtl="0" eaLnBrk="1" latinLnBrk="0" hangingPunct="1">
+      <a:defRPr sz="1200" kern="1200">
+        <a:solidFill>
+          <a:schemeClr val="tx1"/>
+        </a:solidFill>
+        <a:latin typeface="+mn-lt"/>
+        <a:ea typeface="+mn-ea"/>
+        <a:cs typeface="+mn-cs"/>
+      </a:defRPr>
+    </a:lvl8pPr>
+    <a:lvl9pPr marL="3657600" algn="l" defTabSz="914400" rtl="0" eaLnBrk="1" latinLnBrk="0" hangingPunct="1">
+      <a:defRPr sz="1200" kern="1200">
+        <a:solidFill>
+          <a:schemeClr val="tx1"/>
+        </a:solidFill>
+        <a:latin typeface="+mn-lt"/>
+        <a:ea typeface="+mn-ea"/>
+        <a:cs typeface="+mn-cs"/>
+      </a:defRPr>
+    </a:lvl9pPr>
+  </p:notesStyle>
+</p:notesMaster>
+</file>
+
+<file path=ppt/notesSlides/notesSlide1.xml><?xml version="1.0" encoding="utf-8"?>
+<p:notes xmlns:a="http://schemas.openxmlformats.org/drawingml/2006/main" xmlns:r="http://schemas.openxmlformats.org/officeDocument/2006/relationships" xmlns:p="http://schemas.openxmlformats.org/presentationml/2006/main">
+  <p:cSld>
+    <p:spTree>
+      <p:nvGrpSpPr>
+        <p:cNvPr id="1" name=""/>
+        <p:cNvGrpSpPr/>
+        <p:nvPr/>
+      </p:nvGrpSpPr>
+      <p:grpSpPr>
+        <a:xfrm>
+          <a:off x="0" y="0"/>
+          <a:ext cx="0" cy="0"/>
+          <a:chOff x="0" y="0"/>
+          <a:chExt cx="0" cy="0"/>
+        </a:xfrm>
+      </p:grpSpPr>
+      <p:sp>
+        <p:nvSpPr>
+          <p:cNvPr id="2" name="Slide Image Placeholder 1"/>
+          <p:cNvSpPr>
+            <a:spLocks noGrp="1" noRot="1" noChangeAspect="1"/>
+          </p:cNvSpPr>
+          <p:nvPr>
+            <p:ph type="sldImg"/>
+          </p:nvPr>
+        </p:nvSpPr>
+        <p:spPr/>
+      </p:sp>
+      <p:sp>
+        <p:nvSpPr>
+          <p:cNvPr id="3" name="Notes Placeholder 2"/>
+          <p:cNvSpPr>
+            <a:spLocks noGrp="1"/>
+          </p:cNvSpPr>
+          <p:nvPr>
+            <p:ph type="body" idx="1"/>
+          </p:nvPr>
+        </p:nvSpPr>
+        <p:spPr/>
+        <p:txBody>
+          <a:bodyPr/>
+          <a:lstStyle/>
+          <a:p>
+            <a:endParaRPr lang="en-CY"/>
+          </a:p>
+        </p:txBody>
+      </p:sp>
+      <p:sp>
+        <p:nvSpPr>
+          <p:cNvPr id="4" name="Slide Number Placeholder 3"/>
+          <p:cNvSpPr>
+            <a:spLocks noGrp="1"/>
+          </p:cNvSpPr>
+          <p:nvPr>
+            <p:ph type="sldNum" sz="quarter" idx="5"/>
+          </p:nvPr>
+        </p:nvSpPr>
+        <p:spPr/>
+        <p:txBody>
+          <a:bodyPr/>
+          <a:lstStyle/>
+          <a:p>
+            <a:fld id="{41493451-1B1F-430B-9FE2-43C0FE26A47F}" type="slidenum">
+              <a:rPr lang="en-CY" smtClean="0"/>
+              <a:t>22</a:t>
+            </a:fld>
+            <a:endParaRPr lang="en-CY"/>
+          </a:p>
+        </p:txBody>
+      </p:sp>
+    </p:spTree>
+    <p:extLst>
+      <p:ext uri="{BB962C8B-B14F-4D97-AF65-F5344CB8AC3E}">
+        <p14:creationId xmlns:p14="http://schemas.microsoft.com/office/powerpoint/2010/main" val="2411587025"/>
+      </p:ext>
+    </p:extLst>
+  </p:cSld>
+  <p:clrMapOvr>
+    <a:masterClrMapping/>
+  </p:clrMapOvr>
+</p:notes>
+</file>
+
 <file path=ppt/slideLayouts/slideLayout1.xml><?xml version="1.0" encoding="utf-8"?>
 <p:sldLayout xmlns:a="http://schemas.openxmlformats.org/drawingml/2006/main" xmlns:r="http://schemas.openxmlformats.org/officeDocument/2006/relationships" xmlns:p="http://schemas.openxmlformats.org/presentationml/2006/main" type="title" preserve="1">
   <p:cSld name="Title Slide">
@@ -323,7 +761,7 @@
           <a:p>
             <a:fld id="{241EB5C9-1307-BA42-ABA2-0BC069CD8E7F}" type="datetimeFigureOut">
               <a:rPr lang="en-US" smtClean="0"/>
-              <a:t>10/1/2024</a:t>
+              <a:t>10/2/2024</a:t>
             </a:fld>
             <a:endParaRPr lang="en-US"/>
           </a:p>
@@ -491,7 +929,7 @@
           <a:p>
             <a:fld id="{241EB5C9-1307-BA42-ABA2-0BC069CD8E7F}" type="datetimeFigureOut">
               <a:rPr lang="en-US" smtClean="0"/>
-              <a:t>10/1/2024</a:t>
+              <a:t>10/2/2024</a:t>
             </a:fld>
             <a:endParaRPr lang="en-US"/>
           </a:p>
@@ -669,7 +1107,7 @@
           <a:p>
             <a:fld id="{241EB5C9-1307-BA42-ABA2-0BC069CD8E7F}" type="datetimeFigureOut">
               <a:rPr lang="en-US" smtClean="0"/>
-              <a:t>10/1/2024</a:t>
+              <a:t>10/2/2024</a:t>
             </a:fld>
             <a:endParaRPr lang="en-US"/>
           </a:p>
@@ -837,7 +1275,7 @@
           <a:p>
             <a:fld id="{241EB5C9-1307-BA42-ABA2-0BC069CD8E7F}" type="datetimeFigureOut">
               <a:rPr lang="en-US" smtClean="0"/>
-              <a:t>10/1/2024</a:t>
+              <a:t>10/2/2024</a:t>
             </a:fld>
             <a:endParaRPr lang="en-US"/>
           </a:p>
@@ -1082,7 +1520,7 @@
           <a:p>
             <a:fld id="{241EB5C9-1307-BA42-ABA2-0BC069CD8E7F}" type="datetimeFigureOut">
               <a:rPr lang="en-US" smtClean="0"/>
-              <a:t>10/1/2024</a:t>
+              <a:t>10/2/2024</a:t>
             </a:fld>
             <a:endParaRPr lang="en-US"/>
           </a:p>
@@ -1367,7 +1805,7 @@
           <a:p>
             <a:fld id="{241EB5C9-1307-BA42-ABA2-0BC069CD8E7F}" type="datetimeFigureOut">
               <a:rPr lang="en-US" smtClean="0"/>
-              <a:t>10/1/2024</a:t>
+              <a:t>10/2/2024</a:t>
             </a:fld>
             <a:endParaRPr lang="en-US"/>
           </a:p>
@@ -1786,7 +2224,7 @@
           <a:p>
             <a:fld id="{241EB5C9-1307-BA42-ABA2-0BC069CD8E7F}" type="datetimeFigureOut">
               <a:rPr lang="en-US" smtClean="0"/>
-              <a:t>10/1/2024</a:t>
+              <a:t>10/2/2024</a:t>
             </a:fld>
             <a:endParaRPr lang="en-US"/>
           </a:p>
@@ -1903,7 +2341,7 @@
           <a:p>
             <a:fld id="{241EB5C9-1307-BA42-ABA2-0BC069CD8E7F}" type="datetimeFigureOut">
               <a:rPr lang="en-US" smtClean="0"/>
-              <a:t>10/1/2024</a:t>
+              <a:t>10/2/2024</a:t>
             </a:fld>
             <a:endParaRPr lang="en-US"/>
           </a:p>
@@ -1998,7 +2436,7 @@
           <a:p>
             <a:fld id="{241EB5C9-1307-BA42-ABA2-0BC069CD8E7F}" type="datetimeFigureOut">
               <a:rPr lang="en-US" smtClean="0"/>
-              <a:t>10/1/2024</a:t>
+              <a:t>10/2/2024</a:t>
             </a:fld>
             <a:endParaRPr lang="en-US"/>
           </a:p>
@@ -2273,7 +2711,7 @@
           <a:p>
             <a:fld id="{241EB5C9-1307-BA42-ABA2-0BC069CD8E7F}" type="datetimeFigureOut">
               <a:rPr lang="en-US" smtClean="0"/>
-              <a:t>10/1/2024</a:t>
+              <a:t>10/2/2024</a:t>
             </a:fld>
             <a:endParaRPr lang="en-US"/>
           </a:p>
@@ -2525,7 +2963,7 @@
           <a:p>
             <a:fld id="{241EB5C9-1307-BA42-ABA2-0BC069CD8E7F}" type="datetimeFigureOut">
               <a:rPr lang="en-US" smtClean="0"/>
-              <a:t>10/1/2024</a:t>
+              <a:t>10/2/2024</a:t>
             </a:fld>
             <a:endParaRPr lang="en-US"/>
           </a:p>
@@ -2736,7 +3174,7 @@
           <a:p>
             <a:fld id="{241EB5C9-1307-BA42-ABA2-0BC069CD8E7F}" type="datetimeFigureOut">
               <a:rPr lang="en-US" smtClean="0"/>
-              <a:t>10/1/2024</a:t>
+              <a:t>10/2/2024</a:t>
             </a:fld>
             <a:endParaRPr lang="en-US"/>
           </a:p>
@@ -3223,6 +3661,85 @@
               <a:buNone/>
             </a:pPr>
             <a:r>
+              <a:t>Same method, different implementation</a:t>
+            </a:r>
+          </a:p>
+        </p:txBody>
+      </p:sp>
+      <p:pic>
+        <p:nvPicPr>
+          <p:cNvPr id="3" name="Picture 1" descr="./images/coll_diff.png"/>
+          <p:cNvPicPr>
+            <a:picLocks noGrp="1" noChangeAspect="1"/>
+          </p:cNvPicPr>
+          <p:nvPr/>
+        </p:nvPicPr>
+        <p:blipFill>
+          <a:blip r:embed="rId2"/>
+          <a:stretch>
+            <a:fillRect/>
+          </a:stretch>
+        </p:blipFill>
+        <p:spPr bwMode="auto">
+          <a:xfrm>
+            <a:off x="2470150" y="806449"/>
+            <a:ext cx="4108450" cy="5654413"/>
+          </a:xfrm>
+          <a:prstGeom prst="rect">
+            <a:avLst/>
+          </a:prstGeom>
+          <a:noFill/>
+          <a:ln w="9525">
+            <a:noFill/>
+            <a:headEnd/>
+            <a:tailEnd/>
+          </a:ln>
+        </p:spPr>
+      </p:pic>
+    </p:spTree>
+  </p:cSld>
+  <p:clrMapOvr>
+    <a:masterClrMapping/>
+  </p:clrMapOvr>
+</p:sld>
+</file>
+
+<file path=ppt/slides/slide11.xml><?xml version="1.0" encoding="utf-8"?>
+<p:sld xmlns:a="http://schemas.openxmlformats.org/drawingml/2006/main" xmlns:r="http://schemas.openxmlformats.org/officeDocument/2006/relationships" xmlns:p="http://schemas.openxmlformats.org/presentationml/2006/main">
+  <p:cSld>
+    <p:spTree>
+      <p:nvGrpSpPr>
+        <p:cNvPr id="1" name=""/>
+        <p:cNvGrpSpPr/>
+        <p:nvPr/>
+      </p:nvGrpSpPr>
+      <p:grpSpPr>
+        <a:xfrm>
+          <a:off x="0" y="0"/>
+          <a:ext cx="0" cy="0"/>
+          <a:chOff x="0" y="0"/>
+          <a:chExt cx="0" cy="0"/>
+        </a:xfrm>
+      </p:grpSpPr>
+      <p:sp>
+        <p:nvSpPr>
+          <p:cNvPr id="2" name="Title 1"/>
+          <p:cNvSpPr>
+            <a:spLocks noGrp="1"/>
+          </p:cNvSpPr>
+          <p:nvPr>
+            <p:ph type="title"/>
+          </p:nvPr>
+        </p:nvSpPr>
+        <p:spPr/>
+        <p:txBody>
+          <a:bodyPr/>
+          <a:lstStyle/>
+          <a:p>
+            <a:pPr marL="0" lvl="0" indent="0">
+              <a:buNone/>
+            </a:pPr>
+            <a:r>
               <a:t>Study for home :Collections</a:t>
             </a:r>
           </a:p>
@@ -3266,7 +3783,7 @@
 </p:sld>
 </file>
 
-<file path=ppt/slides/slide11.xml><?xml version="1.0" encoding="utf-8"?>
+<file path=ppt/slides/slide12.xml><?xml version="1.0" encoding="utf-8"?>
 <p:sld xmlns:a="http://schemas.openxmlformats.org/drawingml/2006/main" xmlns:r="http://schemas.openxmlformats.org/officeDocument/2006/relationships" xmlns:p="http://schemas.openxmlformats.org/presentationml/2006/main">
   <p:cSld>
     <p:spTree>
@@ -3444,7 +3961,7 @@
 </p:sld>
 </file>
 
-<file path=ppt/slides/slide12.xml><?xml version="1.0" encoding="utf-8"?>
+<file path=ppt/slides/slide13.xml><?xml version="1.0" encoding="utf-8"?>
 <p:sld xmlns:a="http://schemas.openxmlformats.org/drawingml/2006/main" xmlns:r="http://schemas.openxmlformats.org/officeDocument/2006/relationships" xmlns:p="http://schemas.openxmlformats.org/presentationml/2006/main">
   <p:cSld>
     <p:spTree>
@@ -3637,7 +4154,7 @@
 </p:sld>
 </file>
 
-<file path=ppt/slides/slide13.xml><?xml version="1.0" encoding="utf-8"?>
+<file path=ppt/slides/slide14.xml><?xml version="1.0" encoding="utf-8"?>
 <p:sld xmlns:a="http://schemas.openxmlformats.org/drawingml/2006/main" xmlns:r="http://schemas.openxmlformats.org/officeDocument/2006/relationships" xmlns:p="http://schemas.openxmlformats.org/presentationml/2006/main">
   <p:cSld>
     <p:spTree>
@@ -3848,7 +4365,7 @@
 </p:sld>
 </file>
 
-<file path=ppt/slides/slide14.xml><?xml version="1.0" encoding="utf-8"?>
+<file path=ppt/slides/slide15.xml><?xml version="1.0" encoding="utf-8"?>
 <p:sld xmlns:a="http://schemas.openxmlformats.org/drawingml/2006/main" xmlns:r="http://schemas.openxmlformats.org/officeDocument/2006/relationships" xmlns:p="http://schemas.openxmlformats.org/presentationml/2006/main">
   <p:cSld>
     <p:spTree>
@@ -4068,7 +4585,7 @@
 </p:sld>
 </file>
 
-<file path=ppt/slides/slide15.xml><?xml version="1.0" encoding="utf-8"?>
+<file path=ppt/slides/slide16.xml><?xml version="1.0" encoding="utf-8"?>
 <p:sld xmlns:a="http://schemas.openxmlformats.org/drawingml/2006/main" xmlns:r="http://schemas.openxmlformats.org/officeDocument/2006/relationships" xmlns:p="http://schemas.openxmlformats.org/presentationml/2006/main">
   <p:cSld>
     <p:spTree>
@@ -4310,7 +4827,7 @@
 </p:sld>
 </file>
 
-<file path=ppt/slides/slide16.xml><?xml version="1.0" encoding="utf-8"?>
+<file path=ppt/slides/slide17.xml><?xml version="1.0" encoding="utf-8"?>
 <p:sld xmlns:a="http://schemas.openxmlformats.org/drawingml/2006/main" xmlns:r="http://schemas.openxmlformats.org/officeDocument/2006/relationships" xmlns:p="http://schemas.openxmlformats.org/presentationml/2006/main">
   <p:cSld>
     <p:spTree>
@@ -4539,7 +5056,7 @@
 </p:sld>
 </file>
 
-<file path=ppt/slides/slide17.xml><?xml version="1.0" encoding="utf-8"?>
+<file path=ppt/slides/slide18.xml><?xml version="1.0" encoding="utf-8"?>
 <p:sld xmlns:a="http://schemas.openxmlformats.org/drawingml/2006/main" xmlns:r="http://schemas.openxmlformats.org/officeDocument/2006/relationships" xmlns:p="http://schemas.openxmlformats.org/presentationml/2006/main">
   <p:cSld>
     <p:spTree>
@@ -4759,7 +5276,7 @@
 </p:sld>
 </file>
 
-<file path=ppt/slides/slide18.xml><?xml version="1.0" encoding="utf-8"?>
+<file path=ppt/slides/slide19.xml><?xml version="1.0" encoding="utf-8"?>
 <p:sld xmlns:a="http://schemas.openxmlformats.org/drawingml/2006/main" xmlns:r="http://schemas.openxmlformats.org/officeDocument/2006/relationships" xmlns:p="http://schemas.openxmlformats.org/presentationml/2006/main">
   <p:cSld>
     <p:spTree>
@@ -5395,334 +5912,6 @@
 </p:sld>
 </file>
 
-<file path=ppt/slides/slide19.xml><?xml version="1.0" encoding="utf-8"?>
-<p:sld xmlns:a="http://schemas.openxmlformats.org/drawingml/2006/main" xmlns:r="http://schemas.openxmlformats.org/officeDocument/2006/relationships" xmlns:p="http://schemas.openxmlformats.org/presentationml/2006/main">
-  <p:cSld>
-    <p:spTree>
-      <p:nvGrpSpPr>
-        <p:cNvPr id="1" name=""/>
-        <p:cNvGrpSpPr/>
-        <p:nvPr/>
-      </p:nvGrpSpPr>
-      <p:grpSpPr>
-        <a:xfrm>
-          <a:off x="0" y="0"/>
-          <a:ext cx="0" cy="0"/>
-          <a:chOff x="0" y="0"/>
-          <a:chExt cx="0" cy="0"/>
-        </a:xfrm>
-      </p:grpSpPr>
-      <p:sp>
-        <p:nvSpPr>
-          <p:cNvPr id="2" name="Title 1"/>
-          <p:cNvSpPr>
-            <a:spLocks noGrp="1"/>
-          </p:cNvSpPr>
-          <p:nvPr>
-            <p:ph type="title"/>
-          </p:nvPr>
-        </p:nvSpPr>
-        <p:spPr/>
-        <p:txBody>
-          <a:bodyPr/>
-          <a:lstStyle/>
-          <a:p>
-            <a:pPr marL="0" lvl="0" indent="0">
-              <a:buNone/>
-            </a:pPr>
-            <a:r>
-              <a:t>Task 1 (ArrayList):</a:t>
-            </a:r>
-          </a:p>
-        </p:txBody>
-      </p:sp>
-      <p:sp>
-        <p:nvSpPr>
-          <p:cNvPr id="3" name="Content Placeholder 2"/>
-          <p:cNvSpPr>
-            <a:spLocks noGrp="1"/>
-          </p:cNvSpPr>
-          <p:nvPr>
-            <p:ph idx="1"/>
-          </p:nvPr>
-        </p:nvSpPr>
-        <p:spPr/>
-        <p:txBody>
-          <a:bodyPr>
-            <a:normAutofit/>
-          </a:bodyPr>
-          <a:lstStyle/>
-          <a:p>
-            <a:pPr marL="0" lvl="0" indent="0">
-              <a:buNone/>
-            </a:pPr>
-            <a:r>
-              <a:rPr sz="1400" b="1" dirty="0"/>
-              <a:t>Develop a program Main.java that will:</a:t>
-            </a:r>
-            <a:endParaRPr lang="en-US" sz="1400" b="1" dirty="0"/>
-          </a:p>
-          <a:p>
-            <a:pPr marL="0" lvl="0" indent="0">
-              <a:buNone/>
-            </a:pPr>
-            <a:r>
-              <a:rPr sz="1400" dirty="0"/>
-              <a:t> - Create an </a:t>
-            </a:r>
-            <a:r>
-              <a:rPr sz="1400" dirty="0" err="1"/>
-              <a:t>ArrayList</a:t>
-            </a:r>
-            <a:r>
-              <a:rPr sz="1400" dirty="0"/>
-              <a:t> of 2 elements </a:t>
-            </a:r>
-            <a:endParaRPr lang="en-US" sz="1400" dirty="0"/>
-          </a:p>
-          <a:p>
-            <a:pPr marL="0" lvl="0" indent="0">
-              <a:buNone/>
-            </a:pPr>
-            <a:r>
-              <a:rPr sz="1400" dirty="0"/>
-              <a:t>- Add items to the </a:t>
-            </a:r>
-            <a:r>
-              <a:rPr sz="1400" dirty="0" err="1"/>
-              <a:t>ArrayList</a:t>
-            </a:r>
-            <a:r>
-              <a:rPr sz="1400" dirty="0"/>
-              <a:t>: </a:t>
-            </a:r>
-            <a:endParaRPr lang="en-US" sz="1400" dirty="0"/>
-          </a:p>
-          <a:p>
-            <a:pPr marL="342900" lvl="1" indent="0">
-              <a:buNone/>
-            </a:pPr>
-            <a:r>
-              <a:rPr sz="1100" dirty="0"/>
-              <a:t>- Try to insert strings (i.e., </a:t>
-            </a:r>
-            <a:r>
-              <a:rPr sz="1100" dirty="0">
-                <a:latin typeface="Courier"/>
-              </a:rPr>
-              <a:t>String()</a:t>
-            </a:r>
-            <a:r>
-              <a:rPr sz="1100" dirty="0"/>
-              <a:t> object) as well as integers (i.e., </a:t>
-            </a:r>
-            <a:r>
-              <a:rPr sz="1100" dirty="0">
-                <a:latin typeface="Courier"/>
-              </a:rPr>
-              <a:t>Integer()</a:t>
-            </a:r>
-            <a:r>
-              <a:rPr sz="1100" dirty="0"/>
-              <a:t>) </a:t>
-            </a:r>
-            <a:endParaRPr lang="en-US" sz="1100" dirty="0"/>
-          </a:p>
-          <a:p>
-            <a:pPr marL="342900" lvl="1" indent="0">
-              <a:buNone/>
-            </a:pPr>
-            <a:r>
-              <a:rPr lang="en-US" sz="1100" dirty="0"/>
-              <a:t>	</a:t>
-            </a:r>
-            <a:r>
-              <a:rPr sz="1100" dirty="0"/>
-              <a:t>- E.g., </a:t>
-            </a:r>
-            <a:r>
-              <a:rPr sz="1100" dirty="0" err="1">
-                <a:latin typeface="Courier"/>
-              </a:rPr>
-              <a:t>list.add</a:t>
-            </a:r>
-            <a:r>
-              <a:rPr sz="1100" dirty="0">
-                <a:latin typeface="Courier"/>
-              </a:rPr>
-              <a:t>(new String("x"));</a:t>
-            </a:r>
-            <a:r>
-              <a:rPr sz="1100" dirty="0"/>
-              <a:t>, </a:t>
-            </a:r>
-            <a:r>
-              <a:rPr sz="1100" dirty="0" err="1">
-                <a:latin typeface="Courier"/>
-              </a:rPr>
-              <a:t>list.add</a:t>
-            </a:r>
-            <a:r>
-              <a:rPr sz="1100" dirty="0">
-                <a:latin typeface="Courier"/>
-              </a:rPr>
-              <a:t>(2, new Integer(10));</a:t>
-            </a:r>
-            <a:endParaRPr lang="en-US" sz="1100" dirty="0">
-              <a:latin typeface="Courier"/>
-            </a:endParaRPr>
-          </a:p>
-          <a:p>
-            <a:pPr marL="342900" lvl="1" indent="0">
-              <a:buNone/>
-            </a:pPr>
-            <a:r>
-              <a:rPr lang="en-US" sz="1100" dirty="0">
-                <a:latin typeface="Courier"/>
-              </a:rPr>
-              <a:t>	</a:t>
-            </a:r>
-            <a:r>
-              <a:rPr sz="1100" dirty="0"/>
-              <a:t> - And print the list </a:t>
-            </a:r>
-            <a:endParaRPr lang="en-US" sz="1100" dirty="0"/>
-          </a:p>
-          <a:p>
-            <a:pPr marL="342900" lvl="1" indent="0">
-              <a:buNone/>
-            </a:pPr>
-            <a:r>
-              <a:rPr sz="1100" dirty="0"/>
-              <a:t>- Remove an item and print the list and check if the item you removed exists</a:t>
-            </a:r>
-            <a:endParaRPr lang="en-US" sz="1100" dirty="0"/>
-          </a:p>
-          <a:p>
-            <a:pPr marL="342900" lvl="1" indent="0">
-              <a:buNone/>
-            </a:pPr>
-            <a:r>
-              <a:rPr sz="1100" dirty="0"/>
-              <a:t> - Using </a:t>
-            </a:r>
-            <a:r>
-              <a:rPr sz="1100" dirty="0">
-                <a:latin typeface="Courier"/>
-              </a:rPr>
-              <a:t>contains()</a:t>
-            </a:r>
-            <a:r>
-              <a:rPr sz="1100" dirty="0"/>
-              <a:t> check if the list contains a specified element of your choice and print the output (tip: should be a Boolean </a:t>
-            </a:r>
-            <a:r>
-              <a:rPr sz="1100" dirty="0">
-                <a:latin typeface="Courier"/>
-              </a:rPr>
-              <a:t>true</a:t>
-            </a:r>
-            <a:r>
-              <a:rPr sz="1100" dirty="0"/>
-              <a:t> or </a:t>
-            </a:r>
-            <a:r>
-              <a:rPr sz="1100" dirty="0">
-                <a:latin typeface="Courier"/>
-              </a:rPr>
-              <a:t>false</a:t>
-            </a:r>
-            <a:r>
-              <a:rPr sz="1100" dirty="0"/>
-              <a:t>)</a:t>
-            </a:r>
-            <a:endParaRPr lang="en-US" sz="1100" dirty="0"/>
-          </a:p>
-          <a:p>
-            <a:pPr marL="0" lvl="0" indent="0">
-              <a:buNone/>
-            </a:pPr>
-            <a:endParaRPr lang="en-US" sz="1400" dirty="0"/>
-          </a:p>
-          <a:p>
-            <a:pPr marL="0" lvl="0" indent="0">
-              <a:buNone/>
-            </a:pPr>
-            <a:r>
-              <a:rPr sz="1400" dirty="0"/>
-              <a:t> - Using the </a:t>
-            </a:r>
-            <a:r>
-              <a:rPr sz="1400" dirty="0" err="1"/>
-              <a:t>ListIterator</a:t>
-            </a:r>
-            <a:r>
-              <a:rPr sz="1400" dirty="0"/>
-              <a:t>, use a </a:t>
-            </a:r>
-            <a:r>
-              <a:rPr sz="1400" dirty="0">
-                <a:latin typeface="Courier"/>
-              </a:rPr>
-              <a:t>while</a:t>
-            </a:r>
-            <a:r>
-              <a:rPr sz="1400" dirty="0"/>
-              <a:t> loop and print every element of your list </a:t>
-            </a:r>
-            <a:endParaRPr lang="en-US" sz="1400" dirty="0"/>
-          </a:p>
-          <a:p>
-            <a:pPr marL="0" lvl="0" indent="0">
-              <a:buNone/>
-            </a:pPr>
-            <a:r>
-              <a:rPr lang="en-US" sz="1400" dirty="0"/>
-              <a:t>	</a:t>
-            </a:r>
-            <a:r>
-              <a:rPr sz="1400" dirty="0"/>
-              <a:t>- Try also if you can do that using any other type of a loop (e.g., </a:t>
-            </a:r>
-            <a:r>
-              <a:rPr sz="1400" dirty="0">
-                <a:latin typeface="Courier"/>
-              </a:rPr>
-              <a:t>for</a:t>
-            </a:r>
-            <a:r>
-              <a:rPr sz="1400" dirty="0"/>
-              <a:t>)</a:t>
-            </a:r>
-            <a:endParaRPr lang="en-US" sz="1400" dirty="0"/>
-          </a:p>
-          <a:p>
-            <a:pPr marL="0" lvl="0" indent="0">
-              <a:buNone/>
-            </a:pPr>
-            <a:r>
-              <a:rPr sz="1400" dirty="0"/>
-              <a:t> - Create an object array from the </a:t>
-            </a:r>
-            <a:r>
-              <a:rPr sz="1400" dirty="0" err="1"/>
-              <a:t>ArrayList</a:t>
-            </a:r>
-            <a:r>
-              <a:rPr sz="1400" dirty="0"/>
-              <a:t> you have.</a:t>
-            </a:r>
-          </a:p>
-        </p:txBody>
-      </p:sp>
-    </p:spTree>
-  </p:cSld>
-  <p:clrMapOvr>
-    <a:masterClrMapping/>
-  </p:clrMapOvr>
-</p:sld>
-</file>
-
 <file path=ppt/slides/slide2.xml><?xml version="1.0" encoding="utf-8"?>
 <p:sld xmlns:a="http://schemas.openxmlformats.org/drawingml/2006/main" xmlns:r="http://schemas.openxmlformats.org/officeDocument/2006/relationships" xmlns:p="http://schemas.openxmlformats.org/presentationml/2006/main">
   <p:cSld>
@@ -6456,7 +6645,15 @@
               <a:buNone/>
             </a:pPr>
             <a:r>
-              <a:t>Task 2 (LinkedList):</a:t>
+              <a:rPr dirty="0"/>
+              <a:t>Task 1 (</a:t>
+            </a:r>
+            <a:r>
+              <a:rPr dirty="0" err="1"/>
+              <a:t>ArrayList</a:t>
+            </a:r>
+            <a:r>
+              <a:t>):</a:t>
             </a:r>
           </a:p>
         </p:txBody>
@@ -6471,15 +6668,10 @@
             <p:ph idx="1"/>
           </p:nvPr>
         </p:nvSpPr>
-        <p:spPr>
-          <a:xfrm>
-            <a:off x="457200" y="1200151"/>
-            <a:ext cx="8186738" cy="3394472"/>
-          </a:xfrm>
-        </p:spPr>
+        <p:spPr/>
         <p:txBody>
           <a:bodyPr>
-            <a:normAutofit fontScale="92500" lnSpcReduction="20000"/>
+            <a:normAutofit/>
           </a:bodyPr>
           <a:lstStyle/>
           <a:p>
@@ -6487,202 +6679,260 @@
               <a:buNone/>
             </a:pPr>
             <a:r>
-              <a:rPr sz="1800" b="1" dirty="0"/>
-              <a:t>Develop a program IntegerList.java that will create a LinkedList and add 4 Integer objects to it:</a:t>
-            </a:r>
-            <a:r>
-              <a:rPr sz="1800" dirty="0"/>
-              <a:t> </a:t>
-            </a:r>
-            <a:endParaRPr lang="en-US" sz="1800" dirty="0"/>
+              <a:rPr sz="1400" b="1" dirty="0"/>
+              <a:t>Develop a program Main.java that will:</a:t>
+            </a:r>
+            <a:endParaRPr lang="en-US" sz="1400" b="1" dirty="0"/>
           </a:p>
           <a:p>
             <a:pPr marL="0" lvl="0" indent="0">
               <a:buNone/>
             </a:pPr>
             <a:r>
-              <a:rPr sz="1800" dirty="0"/>
-              <a:t>- Print the size of the LinkedList </a:t>
-            </a:r>
-            <a:endParaRPr lang="en-US" sz="1800" dirty="0"/>
+              <a:rPr sz="1400" dirty="0"/>
+              <a:t> - Create an </a:t>
+            </a:r>
+            <a:r>
+              <a:rPr sz="1400" dirty="0" err="1"/>
+              <a:t>ArrayList</a:t>
+            </a:r>
+            <a:r>
+              <a:rPr sz="1400" dirty="0"/>
+              <a:t> of 2 elements </a:t>
+            </a:r>
+            <a:endParaRPr lang="en-US" sz="1400" dirty="0"/>
           </a:p>
           <a:p>
             <a:pPr marL="0" lvl="0" indent="0">
               <a:buNone/>
             </a:pPr>
             <a:r>
-              <a:rPr sz="1800" dirty="0"/>
-              <a:t>- Add integer objects at the beginning and the end of the LinkedList and print them </a:t>
-            </a:r>
-            <a:endParaRPr lang="en-US" sz="1800" dirty="0"/>
-          </a:p>
-          <a:p>
-            <a:pPr marL="0" lvl="0" indent="0">
+              <a:rPr sz="1400" dirty="0"/>
+              <a:t>- Add items to the </a:t>
+            </a:r>
+            <a:r>
+              <a:rPr sz="1400" dirty="0" err="1"/>
+              <a:t>ArrayList</a:t>
+            </a:r>
+            <a:r>
+              <a:rPr sz="1400" dirty="0"/>
+              <a:t>: </a:t>
+            </a:r>
+            <a:endParaRPr lang="en-US" sz="1400" dirty="0"/>
+          </a:p>
+          <a:p>
+            <a:pPr marL="342900" lvl="1" indent="0">
               <a:buNone/>
             </a:pPr>
             <a:r>
-              <a:rPr lang="en-US" sz="1800" dirty="0"/>
-              <a:t>	</a:t>
-            </a:r>
-            <a:r>
-              <a:rPr sz="1800" dirty="0"/>
-              <a:t>- Tip: You might have to use </a:t>
-            </a:r>
-            <a:r>
-              <a:rPr sz="1800" dirty="0" err="1">
+              <a:rPr sz="1100" dirty="0"/>
+              <a:t>- Try to insert strings (i.e., </a:t>
+            </a:r>
+            <a:r>
+              <a:rPr sz="1100" dirty="0">
                 <a:latin typeface="Courier"/>
               </a:rPr>
-              <a:t>getFirst</a:t>
-            </a:r>
-            <a:r>
-              <a:rPr sz="1800" dirty="0">
+              <a:t>String()</a:t>
+            </a:r>
+            <a:r>
+              <a:rPr sz="1100" dirty="0"/>
+              <a:t> object) as well as integers (i.e., </a:t>
+            </a:r>
+            <a:r>
+              <a:rPr sz="1100" dirty="0">
                 <a:latin typeface="Courier"/>
               </a:rPr>
-              <a:t>()</a:t>
-            </a:r>
-            <a:r>
-              <a:rPr sz="1800" dirty="0"/>
-              <a:t> and </a:t>
-            </a:r>
-            <a:r>
-              <a:rPr sz="1800" dirty="0" err="1">
+              <a:t>Integer()</a:t>
+            </a:r>
+            <a:r>
+              <a:rPr sz="1100" dirty="0"/>
+              <a:t>) </a:t>
+            </a:r>
+            <a:endParaRPr lang="en-US" sz="1100" dirty="0"/>
+          </a:p>
+          <a:p>
+            <a:pPr marL="342900" lvl="1" indent="0">
+              <a:buNone/>
+            </a:pPr>
+            <a:r>
+              <a:rPr lang="en-US" sz="1100" dirty="0"/>
+              <a:t>	</a:t>
+            </a:r>
+            <a:r>
+              <a:rPr sz="1100" dirty="0"/>
+              <a:t>- E.g., </a:t>
+            </a:r>
+            <a:r>
+              <a:rPr sz="1100" dirty="0" err="1">
                 <a:latin typeface="Courier"/>
               </a:rPr>
-              <a:t>getLast</a:t>
-            </a:r>
-            <a:r>
-              <a:rPr sz="1800" dirty="0">
+              <a:t>list.add</a:t>
+            </a:r>
+            <a:r>
+              <a:rPr sz="1100" dirty="0">
                 <a:latin typeface="Courier"/>
               </a:rPr>
-              <a:t>()</a:t>
-            </a:r>
-            <a:r>
-              <a:rPr sz="1800" dirty="0"/>
-              <a:t> methods of the LinkedList class — check the documentation.</a:t>
-            </a:r>
-            <a:endParaRPr lang="en-US" sz="1800" dirty="0"/>
-          </a:p>
-          <a:p>
-            <a:pPr marL="0" lvl="0" indent="0">
-              <a:buNone/>
-            </a:pPr>
-            <a:r>
-              <a:rPr sz="1800" dirty="0"/>
-              <a:t> - Remove the first and last elements of the list and print the list</a:t>
-            </a:r>
-            <a:endParaRPr lang="en-US" sz="1800" dirty="0"/>
-          </a:p>
-          <a:p>
-            <a:pPr marL="0" lvl="0" indent="0">
-              <a:buNone/>
-            </a:pPr>
-            <a:r>
-              <a:rPr sz="1800" dirty="0"/>
-              <a:t> - Remove the first instance of </a:t>
-            </a:r>
-            <a:r>
-              <a:rPr sz="1800" dirty="0">
+              <a:t>(new String("x"));</a:t>
+            </a:r>
+            <a:r>
+              <a:rPr sz="1100" dirty="0"/>
+              <a:t>, </a:t>
+            </a:r>
+            <a:r>
+              <a:rPr sz="1100" dirty="0" err="1">
                 <a:latin typeface="Courier"/>
               </a:rPr>
-              <a:t>Integer(1)</a:t>
-            </a:r>
-            <a:r>
-              <a:rPr sz="1800" dirty="0"/>
-              <a:t> object and print the list </a:t>
-            </a:r>
-            <a:endParaRPr lang="en-US" sz="1800" dirty="0"/>
-          </a:p>
-          <a:p>
-            <a:pPr marL="0" lvl="0" indent="0">
-              <a:buNone/>
-            </a:pPr>
-            <a:r>
-              <a:rPr sz="1800" dirty="0"/>
-              <a:t>- Add a </a:t>
-            </a:r>
-            <a:r>
-              <a:rPr sz="1800" dirty="0">
+              <a:t>list.add</a:t>
+            </a:r>
+            <a:r>
+              <a:rPr sz="1100" dirty="0">
                 <a:latin typeface="Courier"/>
               </a:rPr>
-              <a:t>String</a:t>
-            </a:r>
-            <a:r>
-              <a:rPr sz="1800" dirty="0"/>
-              <a:t> named as “</a:t>
-            </a:r>
-            <a:r>
-              <a:rPr sz="1800" dirty="0" err="1"/>
-              <a:t>NewYork</a:t>
-            </a:r>
-            <a:r>
-              <a:rPr sz="1800" dirty="0"/>
-              <a:t>” and </a:t>
-            </a:r>
-            <a:r>
-              <a:rPr sz="1800" dirty="0">
+              <a:t>(2, new Integer(10));</a:t>
+            </a:r>
+            <a:endParaRPr lang="en-US" sz="1100" dirty="0">
+              <a:latin typeface="Courier"/>
+            </a:endParaRPr>
+          </a:p>
+          <a:p>
+            <a:pPr marL="342900" lvl="1" indent="0">
+              <a:buNone/>
+            </a:pPr>
+            <a:r>
+              <a:rPr lang="en-US" sz="1100" dirty="0">
                 <a:latin typeface="Courier"/>
               </a:rPr>
-              <a:t>Long</a:t>
-            </a:r>
-            <a:r>
-              <a:rPr sz="1800" dirty="0"/>
-              <a:t> objects to the LinkedList and print the list - Get the index of the “New York” String object and print it </a:t>
-            </a:r>
-            <a:endParaRPr lang="en-US" sz="1800" dirty="0"/>
-          </a:p>
-          <a:p>
-            <a:pPr marL="0" lvl="0" indent="0">
+              <a:t>	</a:t>
+            </a:r>
+            <a:r>
+              <a:rPr sz="1100" dirty="0"/>
+              <a:t> - And print the list </a:t>
+            </a:r>
+            <a:endParaRPr lang="en-US" sz="1100" dirty="0"/>
+          </a:p>
+          <a:p>
+            <a:pPr marL="342900" lvl="1" indent="0">
               <a:buNone/>
             </a:pPr>
             <a:r>
-              <a:rPr sz="1800" dirty="0"/>
-              <a:t>- Remove the 3rd object in the LinkedList and print the list </a:t>
-            </a:r>
-            <a:endParaRPr lang="en-US" sz="1800" dirty="0"/>
-          </a:p>
-          <a:p>
-            <a:pPr marL="0" lvl="0" indent="0">
+              <a:rPr sz="1100" dirty="0"/>
+              <a:t>- Remove an item and print the list and check if the item you removed exists</a:t>
+            </a:r>
+            <a:endParaRPr lang="en-US" sz="1100" dirty="0"/>
+          </a:p>
+          <a:p>
+            <a:pPr marL="342900" lvl="1" indent="0">
               <a:buNone/>
             </a:pPr>
             <a:r>
-              <a:rPr sz="1800" dirty="0"/>
-              <a:t>- Set the value of the second item to </a:t>
-            </a:r>
-            <a:r>
-              <a:rPr sz="1800" dirty="0">
+              <a:rPr sz="1100" dirty="0"/>
+              <a:t> - Using </a:t>
+            </a:r>
+            <a:r>
+              <a:rPr sz="1100" dirty="0">
                 <a:latin typeface="Courier"/>
               </a:rPr>
-              <a:t>"one"</a:t>
-            </a:r>
-            <a:r>
-              <a:rPr sz="1800" dirty="0"/>
-              <a:t> and print the list </a:t>
-            </a:r>
-            <a:endParaRPr lang="en-US" sz="1800" dirty="0"/>
-          </a:p>
-          <a:p>
-            <a:pPr marL="0" lvl="0" indent="0">
-              <a:buNone/>
-            </a:pPr>
-            <a:r>
-              <a:rPr sz="1800" dirty="0"/>
-              <a:t>- Clone the LinkedList object (tip: using </a:t>
-            </a:r>
-            <a:r>
-              <a:rPr sz="1800" dirty="0" err="1">
+              <a:t>contains()</a:t>
+            </a:r>
+            <a:r>
+              <a:rPr sz="1100" dirty="0"/>
+              <a:t> check if the list contains a specified element of your choice and print the output (tip: should be a Boolean </a:t>
+            </a:r>
+            <a:r>
+              <a:rPr sz="1100" dirty="0">
                 <a:latin typeface="Courier"/>
               </a:rPr>
-              <a:t>list.clone</a:t>
-            </a:r>
-            <a:r>
-              <a:rPr sz="1800" dirty="0">
+              <a:t>true</a:t>
+            </a:r>
+            <a:r>
+              <a:rPr sz="1100" dirty="0"/>
+              <a:t> or </a:t>
+            </a:r>
+            <a:r>
+              <a:rPr sz="1100" dirty="0">
                 <a:latin typeface="Courier"/>
               </a:rPr>
-              <a:t>()</a:t>
-            </a:r>
-            <a:r>
-              <a:rPr sz="1800" dirty="0"/>
-              <a:t>) and print it.</a:t>
+              <a:t>false</a:t>
+            </a:r>
+            <a:r>
+              <a:rPr sz="1100" dirty="0"/>
+              <a:t>)</a:t>
+            </a:r>
+            <a:endParaRPr lang="en-US" sz="1100" dirty="0"/>
+          </a:p>
+          <a:p>
+            <a:pPr marL="0" lvl="0" indent="0">
+              <a:buNone/>
+            </a:pPr>
+            <a:endParaRPr lang="en-US" sz="1400" dirty="0"/>
+          </a:p>
+          <a:p>
+            <a:pPr marL="0" lvl="0" indent="0">
+              <a:buNone/>
+            </a:pPr>
+            <a:r>
+              <a:rPr sz="1400" dirty="0"/>
+              <a:t> - Using the </a:t>
+            </a:r>
+            <a:r>
+              <a:rPr sz="1400" dirty="0" err="1"/>
+              <a:t>ListIterator</a:t>
+            </a:r>
+            <a:r>
+              <a:rPr sz="1400" dirty="0"/>
+              <a:t>, use a </a:t>
+            </a:r>
+            <a:r>
+              <a:rPr sz="1400" dirty="0">
+                <a:latin typeface="Courier"/>
+              </a:rPr>
+              <a:t>while</a:t>
+            </a:r>
+            <a:r>
+              <a:rPr sz="1400" dirty="0"/>
+              <a:t> loop and print every element of your list </a:t>
+            </a:r>
+            <a:endParaRPr lang="en-US" sz="1400" dirty="0"/>
+          </a:p>
+          <a:p>
+            <a:pPr marL="0" lvl="0" indent="0">
+              <a:buNone/>
+            </a:pPr>
+            <a:r>
+              <a:rPr lang="en-US" sz="1400" dirty="0"/>
+              <a:t>	</a:t>
+            </a:r>
+            <a:r>
+              <a:rPr sz="1400" dirty="0"/>
+              <a:t>- Try also if you can do that using any other type of a loop (e.g., </a:t>
+            </a:r>
+            <a:r>
+              <a:rPr sz="1400" dirty="0">
+                <a:latin typeface="Courier"/>
+              </a:rPr>
+              <a:t>for</a:t>
+            </a:r>
+            <a:r>
+              <a:rPr sz="1400" dirty="0"/>
+              <a:t>)</a:t>
+            </a:r>
+            <a:endParaRPr lang="en-US" sz="1400" dirty="0"/>
+          </a:p>
+          <a:p>
+            <a:pPr marL="0" lvl="0" indent="0">
+              <a:buNone/>
+            </a:pPr>
+            <a:r>
+              <a:rPr sz="1400" dirty="0"/>
+              <a:t> - Create an object array from the </a:t>
+            </a:r>
+            <a:r>
+              <a:rPr sz="1400" dirty="0" err="1"/>
+              <a:t>ArrayList</a:t>
+            </a:r>
+            <a:r>
+              <a:rPr sz="1400" dirty="0"/>
+              <a:t> you have.</a:t>
             </a:r>
           </a:p>
         </p:txBody>
@@ -6731,7 +6981,7 @@
               <a:buNone/>
             </a:pPr>
             <a:r>
-              <a:t>Task 3 (Set):</a:t>
+              <a:t>Task 2 (LinkedList):</a:t>
             </a:r>
           </a:p>
         </p:txBody>
@@ -6746,10 +6996,15 @@
             <p:ph idx="1"/>
           </p:nvPr>
         </p:nvSpPr>
-        <p:spPr/>
+        <p:spPr>
+          <a:xfrm>
+            <a:off x="457200" y="1200151"/>
+            <a:ext cx="8186738" cy="3394472"/>
+          </a:xfrm>
+        </p:spPr>
         <p:txBody>
           <a:bodyPr>
-            <a:normAutofit fontScale="92500" lnSpcReduction="10000"/>
+            <a:normAutofit fontScale="92500" lnSpcReduction="20000"/>
           </a:bodyPr>
           <a:lstStyle/>
           <a:p>
@@ -6758,7 +7013,7 @@
             </a:pPr>
             <a:r>
               <a:rPr sz="1800" b="1" dirty="0"/>
-              <a:t>Develop a program Main.java that will create a LinkedList and add 4 Integer objects to it:</a:t>
+              <a:t>Develop a program IntegerList.java that will create a LinkedList and add 4 Integer objects to it:</a:t>
             </a:r>
             <a:r>
               <a:rPr sz="1800" dirty="0"/>
@@ -6787,46 +7042,50 @@
             <a:endParaRPr lang="en-US" sz="1800" dirty="0"/>
           </a:p>
           <a:p>
-            <a:pPr marL="342900" lvl="1" indent="0">
+            <a:pPr marL="0" lvl="0" indent="0">
               <a:buNone/>
             </a:pPr>
             <a:r>
-              <a:rPr sz="1500" dirty="0"/>
+              <a:rPr lang="en-US" sz="1800" dirty="0"/>
+              <a:t>	</a:t>
+            </a:r>
+            <a:r>
+              <a:rPr sz="1800" dirty="0"/>
               <a:t>- Tip: You might have to use </a:t>
             </a:r>
             <a:r>
-              <a:rPr sz="1500" dirty="0" err="1">
+              <a:rPr sz="1800" dirty="0" err="1">
                 <a:latin typeface="Courier"/>
               </a:rPr>
               <a:t>getFirst</a:t>
             </a:r>
             <a:r>
-              <a:rPr sz="1500" dirty="0">
+              <a:rPr sz="1800" dirty="0">
                 <a:latin typeface="Courier"/>
               </a:rPr>
               <a:t>()</a:t>
             </a:r>
             <a:r>
-              <a:rPr sz="1500" dirty="0"/>
+              <a:rPr sz="1800" dirty="0"/>
               <a:t> and </a:t>
             </a:r>
             <a:r>
-              <a:rPr sz="1500" dirty="0" err="1">
+              <a:rPr sz="1800" dirty="0" err="1">
                 <a:latin typeface="Courier"/>
               </a:rPr>
               <a:t>getLast</a:t>
             </a:r>
             <a:r>
-              <a:rPr sz="1500" dirty="0">
+              <a:rPr sz="1800" dirty="0">
                 <a:latin typeface="Courier"/>
               </a:rPr>
               <a:t>()</a:t>
             </a:r>
             <a:r>
-              <a:rPr sz="1500" dirty="0"/>
+              <a:rPr sz="1800" dirty="0"/>
               <a:t> methods of the LinkedList class — check the documentation.</a:t>
             </a:r>
-            <a:endParaRPr lang="en-US" sz="1500" dirty="0"/>
+            <a:endParaRPr lang="en-US" sz="1800" dirty="0"/>
           </a:p>
           <a:p>
             <a:pPr marL="0" lvl="0" indent="0">
@@ -6902,7 +7161,7 @@
             </a:pPr>
             <a:r>
               <a:rPr sz="1800" dirty="0"/>
-              <a:t>- Remove the 3rd object in the LinkedList and print the list</a:t>
+              <a:t>- Remove the 3rd object in the LinkedList and print the list </a:t>
             </a:r>
             <a:endParaRPr lang="en-US" sz="1800" dirty="0"/>
           </a:p>
@@ -6912,7 +7171,7 @@
             </a:pPr>
             <a:r>
               <a:rPr sz="1800" dirty="0"/>
-              <a:t> - Set the value of the second item to </a:t>
+              <a:t>- Set the value of the second item to </a:t>
             </a:r>
             <a:r>
               <a:rPr sz="1800" dirty="0">
@@ -6962,6 +7221,519 @@
 </file>
 
 <file path=ppt/slides/slide22.xml><?xml version="1.0" encoding="utf-8"?>
+<p:sld xmlns:a="http://schemas.openxmlformats.org/drawingml/2006/main" xmlns:r="http://schemas.openxmlformats.org/officeDocument/2006/relationships" xmlns:p="http://schemas.openxmlformats.org/presentationml/2006/main">
+  <p:cSld>
+    <p:spTree>
+      <p:nvGrpSpPr>
+        <p:cNvPr id="1" name=""/>
+        <p:cNvGrpSpPr/>
+        <p:nvPr/>
+      </p:nvGrpSpPr>
+      <p:grpSpPr>
+        <a:xfrm>
+          <a:off x="0" y="0"/>
+          <a:ext cx="0" cy="0"/>
+          <a:chOff x="0" y="0"/>
+          <a:chExt cx="0" cy="0"/>
+        </a:xfrm>
+      </p:grpSpPr>
+      <p:sp>
+        <p:nvSpPr>
+          <p:cNvPr id="2" name="Title 1"/>
+          <p:cNvSpPr>
+            <a:spLocks noGrp="1"/>
+          </p:cNvSpPr>
+          <p:nvPr>
+            <p:ph type="title"/>
+          </p:nvPr>
+        </p:nvSpPr>
+        <p:spPr/>
+        <p:txBody>
+          <a:bodyPr/>
+          <a:lstStyle/>
+          <a:p>
+            <a:pPr marL="0" lvl="0" indent="0">
+              <a:buNone/>
+            </a:pPr>
+            <a:r>
+              <a:t>Task 3 (Set):</a:t>
+            </a:r>
+          </a:p>
+        </p:txBody>
+      </p:sp>
+      <p:sp>
+        <p:nvSpPr>
+          <p:cNvPr id="4" name="Rectangle 1">
+            <a:extLst>
+              <a:ext uri="{FF2B5EF4-FFF2-40B4-BE49-F238E27FC236}">
+                <a16:creationId xmlns:a16="http://schemas.microsoft.com/office/drawing/2014/main" id="{CEB053BB-F9D2-AEAE-50BC-260DBB60A2F4}"/>
+              </a:ext>
+            </a:extLst>
+          </p:cNvPr>
+          <p:cNvSpPr>
+            <a:spLocks noGrp="1" noChangeArrowheads="1"/>
+          </p:cNvSpPr>
+          <p:nvPr>
+            <p:ph idx="1"/>
+          </p:nvPr>
+        </p:nvSpPr>
+        <p:spPr bwMode="auto">
+          <a:xfrm>
+            <a:off x="457199" y="967817"/>
+            <a:ext cx="8623495" cy="3724096"/>
+          </a:xfrm>
+          <a:prstGeom prst="rect">
+            <a:avLst/>
+          </a:prstGeom>
+          <a:noFill/>
+          <a:ln>
+            <a:noFill/>
+          </a:ln>
+          <a:effectLst/>
+          <a:extLst>
+            <a:ext uri="{909E8E84-426E-40DD-AFC4-6F175D3DCCD1}">
+              <a14:hiddenFill xmlns:a14="http://schemas.microsoft.com/office/drawing/2010/main">
+                <a:solidFill>
+                  <a:schemeClr val="accent1"/>
+                </a:solidFill>
+              </a14:hiddenFill>
+            </a:ext>
+            <a:ext uri="{91240B29-F687-4F45-9708-019B960494DF}">
+              <a14:hiddenLine xmlns:a14="http://schemas.microsoft.com/office/drawing/2010/main" w="9525">
+                <a:solidFill>
+                  <a:schemeClr val="tx1"/>
+                </a:solidFill>
+                <a:miter lim="800000"/>
+                <a:headEnd/>
+                <a:tailEnd/>
+              </a14:hiddenLine>
+            </a:ext>
+            <a:ext uri="{AF507438-7753-43E0-B8FC-AC1667EBCBE1}">
+              <a14:hiddenEffects xmlns:a14="http://schemas.microsoft.com/office/drawing/2010/main">
+                <a:effectLst>
+                  <a:outerShdw dist="35921" dir="2700000" algn="ctr" rotWithShape="0">
+                    <a:schemeClr val="bg2"/>
+                  </a:outerShdw>
+                </a:effectLst>
+              </a14:hiddenEffects>
+            </a:ext>
+          </a:extLst>
+        </p:spPr>
+        <p:txBody>
+          <a:bodyPr vert="horz" wrap="square" lIns="91440" tIns="45720" rIns="91440" bIns="45720" numCol="1" anchor="ctr" anchorCtr="0" compatLnSpc="1">
+            <a:prstTxWarp prst="textNoShape">
+              <a:avLst/>
+            </a:prstTxWarp>
+            <a:spAutoFit/>
+          </a:bodyPr>
+          <a:lstStyle/>
+          <a:p>
+            <a:pPr marL="0" marR="0" lvl="0" indent="0" algn="l" defTabSz="914400" rtl="0" eaLnBrk="0" fontAlgn="base" latinLnBrk="0" hangingPunct="0">
+              <a:lnSpc>
+                <a:spcPct val="100000"/>
+              </a:lnSpc>
+              <a:spcBef>
+                <a:spcPct val="0"/>
+              </a:spcBef>
+              <a:spcAft>
+                <a:spcPct val="0"/>
+              </a:spcAft>
+              <a:buClrTx/>
+              <a:buSzTx/>
+              <a:buFontTx/>
+              <a:buNone/>
+              <a:tabLst/>
+            </a:pPr>
+            <a:r>
+              <a:rPr lang="en-CY" altLang="en-CY" sz="1400" dirty="0"/>
+              <a:t>Develop a program SetTest.java that will:</a:t>
+            </a:r>
+          </a:p>
+          <a:p>
+            <a:pPr marL="0" marR="0" lvl="0" indent="0" algn="l" defTabSz="914400" rtl="0" eaLnBrk="0" fontAlgn="base" latinLnBrk="0" hangingPunct="0">
+              <a:lnSpc>
+                <a:spcPct val="100000"/>
+              </a:lnSpc>
+              <a:spcBef>
+                <a:spcPct val="0"/>
+              </a:spcBef>
+              <a:spcAft>
+                <a:spcPct val="0"/>
+              </a:spcAft>
+              <a:buClrTx/>
+              <a:buSzTx/>
+              <a:buFontTx/>
+              <a:buChar char="•"/>
+              <a:tabLst/>
+            </a:pPr>
+            <a:r>
+              <a:rPr lang="en-CY" altLang="en-CY" sz="1400" dirty="0"/>
+              <a:t>Create a HashSet of 5 elements</a:t>
+            </a:r>
+          </a:p>
+          <a:p>
+            <a:pPr marL="457200" marR="0" lvl="1" indent="0" algn="l" defTabSz="914400" rtl="0" eaLnBrk="0" fontAlgn="base" latinLnBrk="0" hangingPunct="0">
+              <a:lnSpc>
+                <a:spcPct val="100000"/>
+              </a:lnSpc>
+              <a:spcBef>
+                <a:spcPct val="0"/>
+              </a:spcBef>
+              <a:spcAft>
+                <a:spcPct val="0"/>
+              </a:spcAft>
+              <a:buClrTx/>
+              <a:buSzTx/>
+              <a:buFontTx/>
+              <a:buChar char="•"/>
+              <a:tabLst/>
+            </a:pPr>
+            <a:r>
+              <a:rPr lang="en-CY" altLang="en-CY" sz="1400" dirty="0"/>
+              <a:t>Try to add both String and Integer objects to the HashSet (e.g., </a:t>
+            </a:r>
+            <a:r>
+              <a:rPr lang="en-CY" altLang="en-CY" sz="1400" dirty="0" err="1"/>
+              <a:t>set.add</a:t>
+            </a:r>
+            <a:r>
+              <a:rPr lang="en-CY" altLang="en-CY" sz="1400" dirty="0"/>
+              <a:t>("hello");, </a:t>
+            </a:r>
+            <a:r>
+              <a:rPr lang="en-CY" altLang="en-CY" sz="1400" dirty="0" err="1"/>
+              <a:t>set.add</a:t>
+            </a:r>
+            <a:r>
+              <a:rPr lang="en-CY" altLang="en-CY" sz="1400" dirty="0"/>
+              <a:t>(42);)</a:t>
+            </a:r>
+          </a:p>
+          <a:p>
+            <a:pPr marL="457200" marR="0" lvl="1" indent="0" algn="l" defTabSz="914400" rtl="0" eaLnBrk="0" fontAlgn="base" latinLnBrk="0" hangingPunct="0">
+              <a:lnSpc>
+                <a:spcPct val="100000"/>
+              </a:lnSpc>
+              <a:spcBef>
+                <a:spcPct val="0"/>
+              </a:spcBef>
+              <a:spcAft>
+                <a:spcPct val="0"/>
+              </a:spcAft>
+              <a:buClrTx/>
+              <a:buSzTx/>
+              <a:buFontTx/>
+              <a:buChar char="•"/>
+              <a:tabLst/>
+            </a:pPr>
+            <a:r>
+              <a:rPr lang="en-CY" altLang="en-CY" sz="1400" dirty="0"/>
+              <a:t>Print the HashSet</a:t>
+            </a:r>
+          </a:p>
+          <a:p>
+            <a:pPr marL="0" marR="0" lvl="0" indent="0" algn="l" defTabSz="914400" rtl="0" eaLnBrk="0" fontAlgn="base" latinLnBrk="0" hangingPunct="0">
+              <a:lnSpc>
+                <a:spcPct val="100000"/>
+              </a:lnSpc>
+              <a:spcBef>
+                <a:spcPct val="0"/>
+              </a:spcBef>
+              <a:spcAft>
+                <a:spcPct val="0"/>
+              </a:spcAft>
+              <a:buClrTx/>
+              <a:buSzTx/>
+              <a:buFontTx/>
+              <a:buChar char="•"/>
+              <a:tabLst/>
+            </a:pPr>
+            <a:r>
+              <a:rPr lang="en-CY" altLang="en-CY" sz="1400" dirty="0"/>
+              <a:t>Add new elements to the HashSet</a:t>
+            </a:r>
+          </a:p>
+          <a:p>
+            <a:pPr marL="457200" marR="0" lvl="1" indent="0" algn="l" defTabSz="914400" rtl="0" eaLnBrk="0" fontAlgn="base" latinLnBrk="0" hangingPunct="0">
+              <a:lnSpc>
+                <a:spcPct val="100000"/>
+              </a:lnSpc>
+              <a:spcBef>
+                <a:spcPct val="0"/>
+              </a:spcBef>
+              <a:spcAft>
+                <a:spcPct val="0"/>
+              </a:spcAft>
+              <a:buClrTx/>
+              <a:buSzTx/>
+              <a:buFontTx/>
+              <a:buChar char="•"/>
+              <a:tabLst/>
+            </a:pPr>
+            <a:r>
+              <a:rPr lang="en-CY" altLang="en-CY" sz="1400" dirty="0"/>
+              <a:t>Add 3 new elements to the set and print the updated set</a:t>
+            </a:r>
+          </a:p>
+          <a:p>
+            <a:pPr marL="0" marR="0" lvl="0" indent="0" algn="l" defTabSz="914400" rtl="0" eaLnBrk="0" fontAlgn="base" latinLnBrk="0" hangingPunct="0">
+              <a:lnSpc>
+                <a:spcPct val="100000"/>
+              </a:lnSpc>
+              <a:spcBef>
+                <a:spcPct val="0"/>
+              </a:spcBef>
+              <a:spcAft>
+                <a:spcPct val="0"/>
+              </a:spcAft>
+              <a:buClrTx/>
+              <a:buSzTx/>
+              <a:buFontTx/>
+              <a:buChar char="•"/>
+              <a:tabLst/>
+            </a:pPr>
+            <a:r>
+              <a:rPr lang="en-CY" altLang="en-CY" sz="1400" dirty="0"/>
+              <a:t>Remove an element from the HashSet</a:t>
+            </a:r>
+          </a:p>
+          <a:p>
+            <a:pPr marL="457200" marR="0" lvl="1" indent="0" algn="l" defTabSz="914400" rtl="0" eaLnBrk="0" fontAlgn="base" latinLnBrk="0" hangingPunct="0">
+              <a:lnSpc>
+                <a:spcPct val="100000"/>
+              </a:lnSpc>
+              <a:spcBef>
+                <a:spcPct val="0"/>
+              </a:spcBef>
+              <a:spcAft>
+                <a:spcPct val="0"/>
+              </a:spcAft>
+              <a:buClrTx/>
+              <a:buSzTx/>
+              <a:buFontTx/>
+              <a:buChar char="•"/>
+              <a:tabLst/>
+            </a:pPr>
+            <a:r>
+              <a:rPr lang="en-CY" altLang="en-CY" sz="1400" dirty="0"/>
+              <a:t>Remove one element and check if the removal was successful by printing the updated HashSet</a:t>
+            </a:r>
+          </a:p>
+          <a:p>
+            <a:pPr marL="0" marR="0" lvl="0" indent="0" algn="l" defTabSz="914400" rtl="0" eaLnBrk="0" fontAlgn="base" latinLnBrk="0" hangingPunct="0">
+              <a:lnSpc>
+                <a:spcPct val="100000"/>
+              </a:lnSpc>
+              <a:spcBef>
+                <a:spcPct val="0"/>
+              </a:spcBef>
+              <a:spcAft>
+                <a:spcPct val="0"/>
+              </a:spcAft>
+              <a:buClrTx/>
+              <a:buSzTx/>
+              <a:buFontTx/>
+              <a:buChar char="•"/>
+              <a:tabLst/>
+            </a:pPr>
+            <a:r>
+              <a:rPr lang="en-CY" altLang="en-CY" sz="1400" dirty="0"/>
+              <a:t>Check if a specific element is present</a:t>
+            </a:r>
+          </a:p>
+          <a:p>
+            <a:pPr marL="457200" marR="0" lvl="1" indent="0" algn="l" defTabSz="914400" rtl="0" eaLnBrk="0" fontAlgn="base" latinLnBrk="0" hangingPunct="0">
+              <a:lnSpc>
+                <a:spcPct val="100000"/>
+              </a:lnSpc>
+              <a:spcBef>
+                <a:spcPct val="0"/>
+              </a:spcBef>
+              <a:spcAft>
+                <a:spcPct val="0"/>
+              </a:spcAft>
+              <a:buClrTx/>
+              <a:buSzTx/>
+              <a:buFontTx/>
+              <a:buChar char="•"/>
+              <a:tabLst/>
+            </a:pPr>
+            <a:r>
+              <a:rPr lang="en-CY" altLang="en-CY" sz="1400" dirty="0"/>
+              <a:t>Use the contains() method to check if a specific element exists in the set (tip: Should return a Boolean value)</a:t>
+            </a:r>
+          </a:p>
+          <a:p>
+            <a:pPr marL="0" marR="0" lvl="0" indent="0" algn="l" defTabSz="914400" rtl="0" eaLnBrk="0" fontAlgn="base" latinLnBrk="0" hangingPunct="0">
+              <a:lnSpc>
+                <a:spcPct val="100000"/>
+              </a:lnSpc>
+              <a:spcBef>
+                <a:spcPct val="0"/>
+              </a:spcBef>
+              <a:spcAft>
+                <a:spcPct val="0"/>
+              </a:spcAft>
+              <a:buClrTx/>
+              <a:buSzTx/>
+              <a:buFontTx/>
+              <a:buChar char="•"/>
+              <a:tabLst/>
+            </a:pPr>
+            <a:r>
+              <a:rPr lang="en-CY" altLang="en-CY" sz="1400" dirty="0"/>
+              <a:t>Iterate over the elements in the HashSet and print them</a:t>
+            </a:r>
+          </a:p>
+          <a:p>
+            <a:pPr marL="457200" marR="0" lvl="1" indent="0" algn="l" defTabSz="914400" rtl="0" eaLnBrk="0" fontAlgn="base" latinLnBrk="0" hangingPunct="0">
+              <a:lnSpc>
+                <a:spcPct val="100000"/>
+              </a:lnSpc>
+              <a:spcBef>
+                <a:spcPct val="0"/>
+              </a:spcBef>
+              <a:spcAft>
+                <a:spcPct val="0"/>
+              </a:spcAft>
+              <a:buClrTx/>
+              <a:buSzTx/>
+              <a:buFontTx/>
+              <a:buChar char="•"/>
+              <a:tabLst/>
+            </a:pPr>
+            <a:r>
+              <a:rPr lang="en-CY" altLang="en-CY" sz="1400" dirty="0"/>
+              <a:t>Use a for-each loop to print every element in the set</a:t>
+            </a:r>
+          </a:p>
+          <a:p>
+            <a:pPr marL="0" marR="0" lvl="0" indent="0" algn="l" defTabSz="914400" rtl="0" eaLnBrk="0" fontAlgn="base" latinLnBrk="0" hangingPunct="0">
+              <a:lnSpc>
+                <a:spcPct val="100000"/>
+              </a:lnSpc>
+              <a:spcBef>
+                <a:spcPct val="0"/>
+              </a:spcBef>
+              <a:spcAft>
+                <a:spcPct val="0"/>
+              </a:spcAft>
+              <a:buClrTx/>
+              <a:buSzTx/>
+              <a:buFontTx/>
+              <a:buChar char="•"/>
+              <a:tabLst/>
+            </a:pPr>
+            <a:r>
+              <a:rPr lang="en-CY" altLang="en-CY" sz="1400" dirty="0"/>
+              <a:t>Test the behaviour of adding duplicate elements</a:t>
+            </a:r>
+          </a:p>
+          <a:p>
+            <a:pPr marL="457200" marR="0" lvl="1" indent="0" algn="l" defTabSz="914400" rtl="0" eaLnBrk="0" fontAlgn="base" latinLnBrk="0" hangingPunct="0">
+              <a:lnSpc>
+                <a:spcPct val="100000"/>
+              </a:lnSpc>
+              <a:spcBef>
+                <a:spcPct val="0"/>
+              </a:spcBef>
+              <a:spcAft>
+                <a:spcPct val="0"/>
+              </a:spcAft>
+              <a:buClrTx/>
+              <a:buSzTx/>
+              <a:buFontTx/>
+              <a:buChar char="•"/>
+              <a:tabLst/>
+            </a:pPr>
+            <a:r>
+              <a:rPr lang="en-CY" altLang="en-CY" sz="1400" dirty="0"/>
+              <a:t>Add a duplicate element and print the HashSet to see if duplicates are stored</a:t>
+            </a:r>
+          </a:p>
+          <a:p>
+            <a:pPr marL="0" marR="0" lvl="0" indent="0" algn="l" defTabSz="914400" rtl="0" eaLnBrk="0" fontAlgn="base" latinLnBrk="0" hangingPunct="0">
+              <a:lnSpc>
+                <a:spcPct val="100000"/>
+              </a:lnSpc>
+              <a:spcBef>
+                <a:spcPct val="0"/>
+              </a:spcBef>
+              <a:spcAft>
+                <a:spcPct val="0"/>
+              </a:spcAft>
+              <a:buClrTx/>
+              <a:buSzTx/>
+              <a:buFontTx/>
+              <a:buChar char="•"/>
+              <a:tabLst/>
+            </a:pPr>
+            <a:r>
+              <a:rPr lang="en-CY" altLang="en-CY" sz="1400" dirty="0"/>
+              <a:t>Create a TreeSet from the HashSet</a:t>
+            </a:r>
+          </a:p>
+          <a:p>
+            <a:pPr marL="457200" marR="0" lvl="1" indent="0" algn="l" defTabSz="914400" rtl="0" eaLnBrk="0" fontAlgn="base" latinLnBrk="0" hangingPunct="0">
+              <a:lnSpc>
+                <a:spcPct val="100000"/>
+              </a:lnSpc>
+              <a:spcBef>
+                <a:spcPct val="0"/>
+              </a:spcBef>
+              <a:spcAft>
+                <a:spcPct val="0"/>
+              </a:spcAft>
+              <a:buClrTx/>
+              <a:buSzTx/>
+              <a:buFontTx/>
+              <a:buChar char="•"/>
+              <a:tabLst/>
+            </a:pPr>
+            <a:r>
+              <a:rPr lang="en-CY" altLang="en-CY" sz="1400" dirty="0"/>
+              <a:t>Convert your HashSet to a TreeSet and print the elements in natural order.</a:t>
+            </a:r>
+          </a:p>
+          <a:p>
+            <a:pPr marL="0" marR="0" lvl="0" indent="0" algn="l" defTabSz="914400" rtl="0" eaLnBrk="0" fontAlgn="base" latinLnBrk="0" hangingPunct="0">
+              <a:lnSpc>
+                <a:spcPct val="100000"/>
+              </a:lnSpc>
+              <a:spcBef>
+                <a:spcPct val="0"/>
+              </a:spcBef>
+              <a:spcAft>
+                <a:spcPct val="0"/>
+              </a:spcAft>
+              <a:buClrTx/>
+              <a:buSzTx/>
+              <a:buFontTx/>
+              <a:buNone/>
+              <a:tabLst/>
+            </a:pPr>
+            <a:endParaRPr kumimoji="0" lang="en-CY" altLang="en-CY" sz="1200" b="0" i="0" u="none" strike="noStrike" cap="none" normalizeH="0" baseline="0" dirty="0">
+              <a:ln>
+                <a:noFill/>
+              </a:ln>
+              <a:solidFill>
+                <a:schemeClr val="tx1"/>
+              </a:solidFill>
+              <a:effectLst/>
+              <a:latin typeface="Arial" panose="020B0604020202020204" pitchFamily="34" charset="0"/>
+            </a:endParaRPr>
+          </a:p>
+        </p:txBody>
+      </p:sp>
+    </p:spTree>
+  </p:cSld>
+  <p:clrMapOvr>
+    <a:masterClrMapping/>
+  </p:clrMapOvr>
+</p:sld>
+</file>
+
+<file path=ppt/slides/slide23.xml><?xml version="1.0" encoding="utf-8"?>
 <p:sld xmlns:a="http://schemas.openxmlformats.org/drawingml/2006/main" xmlns:r="http://schemas.openxmlformats.org/officeDocument/2006/relationships" xmlns:p="http://schemas.openxmlformats.org/presentationml/2006/main">
   <p:cSld>
     <p:spTree>
@@ -7884,6 +8656,152 @@
       </p:grpSpPr>
       <p:sp>
         <p:nvSpPr>
+          <p:cNvPr id="2" name="Title 1">
+            <a:extLst>
+              <a:ext uri="{FF2B5EF4-FFF2-40B4-BE49-F238E27FC236}">
+                <a16:creationId xmlns:a16="http://schemas.microsoft.com/office/drawing/2014/main" id="{4997FF4E-CAC1-3221-C84C-0C079F3E7728}"/>
+              </a:ext>
+            </a:extLst>
+          </p:cNvPr>
+          <p:cNvSpPr txBox="1">
+            <a:spLocks/>
+          </p:cNvSpPr>
+          <p:nvPr/>
+        </p:nvSpPr>
+        <p:spPr>
+          <a:xfrm>
+            <a:off x="571500" y="856284"/>
+            <a:ext cx="5886450" cy="878769"/>
+          </a:xfrm>
+          <a:prstGeom prst="rect">
+            <a:avLst/>
+          </a:prstGeom>
+        </p:spPr>
+        <p:txBody>
+          <a:bodyPr vert="horz" lIns="91440" tIns="45720" rIns="91440" bIns="45720" rtlCol="0" anchor="t">
+            <a:normAutofit/>
+          </a:bodyPr>
+          <a:lstStyle>
+            <a:lvl1pPr algn="ctr" defTabSz="342900" rtl="0" eaLnBrk="1" latinLnBrk="0" hangingPunct="1">
+              <a:spcBef>
+                <a:spcPct val="0"/>
+              </a:spcBef>
+              <a:buNone/>
+              <a:defRPr sz="3300" kern="1200">
+                <a:solidFill>
+                  <a:schemeClr val="tx1"/>
+                </a:solidFill>
+                <a:latin typeface="+mj-lt"/>
+                <a:ea typeface="+mj-ea"/>
+                <a:cs typeface="+mj-cs"/>
+              </a:defRPr>
+            </a:lvl1pPr>
+          </a:lstStyle>
+          <a:p>
+            <a:pPr algn="l" defTabSz="914400">
+              <a:lnSpc>
+                <a:spcPct val="90000"/>
+              </a:lnSpc>
+            </a:pPr>
+            <a:r>
+              <a:rPr lang="en-US" sz="3000"/>
+              <a:t>Iterator - ForEach</a:t>
+            </a:r>
+          </a:p>
+        </p:txBody>
+      </p:sp>
+      <p:pic>
+        <p:nvPicPr>
+          <p:cNvPr id="7" name="Picture 6" descr="A screen shot of a computer code&#10;&#10;Description automatically generated">
+            <a:extLst>
+              <a:ext uri="{FF2B5EF4-FFF2-40B4-BE49-F238E27FC236}">
+                <a16:creationId xmlns:a16="http://schemas.microsoft.com/office/drawing/2014/main" id="{EA7AC212-2ACE-CB0E-E224-BB076B9EA3B8}"/>
+              </a:ext>
+            </a:extLst>
+          </p:cNvPr>
+          <p:cNvPicPr>
+            <a:picLocks noChangeAspect="1"/>
+          </p:cNvPicPr>
+          <p:nvPr/>
+        </p:nvPicPr>
+        <p:blipFill>
+          <a:blip r:embed="rId2"/>
+          <a:stretch>
+            <a:fillRect/>
+          </a:stretch>
+        </p:blipFill>
+        <p:spPr>
+          <a:xfrm>
+            <a:off x="1993683" y="3299656"/>
+            <a:ext cx="5316113" cy="2246057"/>
+          </a:xfrm>
+          <a:prstGeom prst="rect">
+            <a:avLst/>
+          </a:prstGeom>
+        </p:spPr>
+      </p:pic>
+      <p:pic>
+        <p:nvPicPr>
+          <p:cNvPr id="5" name="Content Placeholder 4" descr="A screen shot of a computer program&#10;&#10;Description automatically generated">
+            <a:extLst>
+              <a:ext uri="{FF2B5EF4-FFF2-40B4-BE49-F238E27FC236}">
+                <a16:creationId xmlns:a16="http://schemas.microsoft.com/office/drawing/2014/main" id="{2FBD486C-C685-F381-F7E7-1BE3B97BEDAA}"/>
+              </a:ext>
+            </a:extLst>
+          </p:cNvPr>
+          <p:cNvPicPr>
+            <a:picLocks noChangeAspect="1"/>
+          </p:cNvPicPr>
+          <p:nvPr/>
+        </p:nvPicPr>
+        <p:blipFill>
+          <a:blip r:embed="rId3"/>
+          <a:stretch>
+            <a:fillRect/>
+          </a:stretch>
+        </p:blipFill>
+        <p:spPr>
+          <a:xfrm>
+            <a:off x="1993682" y="1336524"/>
+            <a:ext cx="5316113" cy="2219476"/>
+          </a:xfrm>
+          <a:prstGeom prst="rect">
+            <a:avLst/>
+          </a:prstGeom>
+        </p:spPr>
+      </p:pic>
+    </p:spTree>
+    <p:extLst>
+      <p:ext uri="{BB962C8B-B14F-4D97-AF65-F5344CB8AC3E}">
+        <p14:creationId xmlns:p14="http://schemas.microsoft.com/office/powerpoint/2010/main" val="1292313765"/>
+      </p:ext>
+    </p:extLst>
+  </p:cSld>
+  <p:clrMapOvr>
+    <a:masterClrMapping/>
+  </p:clrMapOvr>
+</p:sld>
+</file>
+
+<file path=ppt/slides/slide6.xml><?xml version="1.0" encoding="utf-8"?>
+<p:sld xmlns:a="http://schemas.openxmlformats.org/drawingml/2006/main" xmlns:r="http://schemas.openxmlformats.org/officeDocument/2006/relationships" xmlns:p="http://schemas.openxmlformats.org/presentationml/2006/main">
+  <p:cSld>
+    <p:spTree>
+      <p:nvGrpSpPr>
+        <p:cNvPr id="1" name=""/>
+        <p:cNvGrpSpPr/>
+        <p:nvPr/>
+      </p:nvGrpSpPr>
+      <p:grpSpPr>
+        <a:xfrm>
+          <a:off x="0" y="0"/>
+          <a:ext cx="0" cy="0"/>
+          <a:chOff x="0" y="0"/>
+          <a:chExt cx="0" cy="0"/>
+        </a:xfrm>
+      </p:grpSpPr>
+      <p:sp>
+        <p:nvSpPr>
           <p:cNvPr id="2" name="Title 1"/>
           <p:cNvSpPr>
             <a:spLocks noGrp="1"/>
@@ -7901,8 +8819,14 @@
               <a:buNone/>
             </a:pPr>
             <a:r>
-              <a:t>Iterator - ForEach</a:t>
-            </a:r>
+              <a:rPr dirty="0"/>
+              <a:t>Iterator - </a:t>
+            </a:r>
+            <a:r>
+              <a:rPr dirty="0" err="1"/>
+              <a:t>ForEach</a:t>
+            </a:r>
+            <a:endParaRPr dirty="0"/>
           </a:p>
         </p:txBody>
       </p:sp>
@@ -7944,7 +8868,7 @@
 </p:sld>
 </file>
 
-<file path=ppt/slides/slide6.xml><?xml version="1.0" encoding="utf-8"?>
+<file path=ppt/slides/slide7.xml><?xml version="1.0" encoding="utf-8"?>
 <p:sld xmlns:a="http://schemas.openxmlformats.org/drawingml/2006/main" xmlns:r="http://schemas.openxmlformats.org/officeDocument/2006/relationships" xmlns:p="http://schemas.openxmlformats.org/presentationml/2006/main">
   <p:cSld>
     <p:spTree>
@@ -8023,7 +8947,7 @@
 </p:sld>
 </file>
 
-<file path=ppt/slides/slide7.xml><?xml version="1.0" encoding="utf-8"?>
+<file path=ppt/slides/slide8.xml><?xml version="1.0" encoding="utf-8"?>
 <p:sld xmlns:a="http://schemas.openxmlformats.org/drawingml/2006/main" xmlns:r="http://schemas.openxmlformats.org/officeDocument/2006/relationships" xmlns:p="http://schemas.openxmlformats.org/presentationml/2006/main">
   <p:cSld>
     <p:spTree>
@@ -8140,7 +9064,7 @@
 </p:sld>
 </file>
 
-<file path=ppt/slides/slide8.xml><?xml version="1.0" encoding="utf-8"?>
+<file path=ppt/slides/slide9.xml><?xml version="1.0" encoding="utf-8"?>
 <p:sld xmlns:a="http://schemas.openxmlformats.org/drawingml/2006/main" xmlns:r="http://schemas.openxmlformats.org/officeDocument/2006/relationships" xmlns:p="http://schemas.openxmlformats.org/presentationml/2006/main">
   <p:cSld>
     <p:spTree>
@@ -8205,85 +9129,6 @@
           <a:xfrm>
             <a:off x="1730374" y="477900"/>
             <a:ext cx="6315076" cy="6131365"/>
-          </a:xfrm>
-          <a:prstGeom prst="rect">
-            <a:avLst/>
-          </a:prstGeom>
-          <a:noFill/>
-          <a:ln w="9525">
-            <a:noFill/>
-            <a:headEnd/>
-            <a:tailEnd/>
-          </a:ln>
-        </p:spPr>
-      </p:pic>
-    </p:spTree>
-  </p:cSld>
-  <p:clrMapOvr>
-    <a:masterClrMapping/>
-  </p:clrMapOvr>
-</p:sld>
-</file>
-
-<file path=ppt/slides/slide9.xml><?xml version="1.0" encoding="utf-8"?>
-<p:sld xmlns:a="http://schemas.openxmlformats.org/drawingml/2006/main" xmlns:r="http://schemas.openxmlformats.org/officeDocument/2006/relationships" xmlns:p="http://schemas.openxmlformats.org/presentationml/2006/main">
-  <p:cSld>
-    <p:spTree>
-      <p:nvGrpSpPr>
-        <p:cNvPr id="1" name=""/>
-        <p:cNvGrpSpPr/>
-        <p:nvPr/>
-      </p:nvGrpSpPr>
-      <p:grpSpPr>
-        <a:xfrm>
-          <a:off x="0" y="0"/>
-          <a:ext cx="0" cy="0"/>
-          <a:chOff x="0" y="0"/>
-          <a:chExt cx="0" cy="0"/>
-        </a:xfrm>
-      </p:grpSpPr>
-      <p:sp>
-        <p:nvSpPr>
-          <p:cNvPr id="2" name="Title 1"/>
-          <p:cNvSpPr>
-            <a:spLocks noGrp="1"/>
-          </p:cNvSpPr>
-          <p:nvPr>
-            <p:ph type="title"/>
-          </p:nvPr>
-        </p:nvSpPr>
-        <p:spPr/>
-        <p:txBody>
-          <a:bodyPr/>
-          <a:lstStyle/>
-          <a:p>
-            <a:pPr marL="0" lvl="0" indent="0">
-              <a:buNone/>
-            </a:pPr>
-            <a:r>
-              <a:t>Same method, different implementation</a:t>
-            </a:r>
-          </a:p>
-        </p:txBody>
-      </p:sp>
-      <p:pic>
-        <p:nvPicPr>
-          <p:cNvPr id="3" name="Picture 1" descr="./images/coll_diff.png"/>
-          <p:cNvPicPr>
-            <a:picLocks noGrp="1" noChangeAspect="1"/>
-          </p:cNvPicPr>
-          <p:nvPr/>
-        </p:nvPicPr>
-        <p:blipFill>
-          <a:blip r:embed="rId2"/>
-          <a:stretch>
-            <a:fillRect/>
-          </a:stretch>
-        </p:blipFill>
-        <p:spPr bwMode="auto">
-          <a:xfrm>
-            <a:off x="2470150" y="806449"/>
-            <a:ext cx="4108450" cy="5654413"/>
           </a:xfrm>
           <a:prstGeom prst="rect">
             <a:avLst/>
@@ -8622,4 +9467,319 @@
   </a:objectDefaults>
   <a:extraClrSchemeLst/>
 </a:theme>
+</file>
+
+<file path=ppt/theme/theme2.xml><?xml version="1.0" encoding="utf-8"?>
+<a:theme xmlns:a="http://schemas.openxmlformats.org/drawingml/2006/main" name="Office Theme">
+  <a:themeElements>
+    <a:clrScheme name="Office">
+      <a:dk1>
+        <a:sysClr val="windowText" lastClr="000000"/>
+      </a:dk1>
+      <a:lt1>
+        <a:sysClr val="window" lastClr="FFFFFF"/>
+      </a:lt1>
+      <a:dk2>
+        <a:srgbClr val="0E2841"/>
+      </a:dk2>
+      <a:lt2>
+        <a:srgbClr val="E8E8E8"/>
+      </a:lt2>
+      <a:accent1>
+        <a:srgbClr val="156082"/>
+      </a:accent1>
+      <a:accent2>
+        <a:srgbClr val="E97132"/>
+      </a:accent2>
+      <a:accent3>
+        <a:srgbClr val="196B24"/>
+      </a:accent3>
+      <a:accent4>
+        <a:srgbClr val="0F9ED5"/>
+      </a:accent4>
+      <a:accent5>
+        <a:srgbClr val="A02B93"/>
+      </a:accent5>
+      <a:accent6>
+        <a:srgbClr val="4EA72E"/>
+      </a:accent6>
+      <a:hlink>
+        <a:srgbClr val="467886"/>
+      </a:hlink>
+      <a:folHlink>
+        <a:srgbClr val="96607D"/>
+      </a:folHlink>
+    </a:clrScheme>
+    <a:fontScheme name="Office">
+      <a:majorFont>
+        <a:latin typeface="Aptos Display" panose="02110004020202020204"/>
+        <a:ea typeface=""/>
+        <a:cs typeface=""/>
+        <a:font script="Jpan" typeface="游ゴシック Light"/>
+        <a:font script="Hang" typeface="맑은 고딕"/>
+        <a:font script="Hans" typeface="等线 Light"/>
+        <a:font script="Hant" typeface="新細明體"/>
+        <a:font script="Arab" typeface="Times New Roman"/>
+        <a:font script="Hebr" typeface="Times New Roman"/>
+        <a:font script="Thai" typeface="Angsana New"/>
+        <a:font script="Ethi" typeface="Nyala"/>
+        <a:font script="Beng" typeface="Vrinda"/>
+        <a:font script="Gujr" typeface="Shruti"/>
+        <a:font script="Khmr" typeface="MoolBoran"/>
+        <a:font script="Knda" typeface="Tunga"/>
+        <a:font script="Guru" typeface="Raavi"/>
+        <a:font script="Cans" typeface="Euphemia"/>
+        <a:font script="Cher" typeface="Plantagenet Cherokee"/>
+        <a:font script="Yiii" typeface="Microsoft Yi Baiti"/>
+        <a:font script="Tibt" typeface="Microsoft Himalaya"/>
+        <a:font script="Thaa" typeface="MV Boli"/>
+        <a:font script="Deva" typeface="Mangal"/>
+        <a:font script="Telu" typeface="Gautami"/>
+        <a:font script="Taml" typeface="Latha"/>
+        <a:font script="Syrc" typeface="Estrangelo Edessa"/>
+        <a:font script="Orya" typeface="Kalinga"/>
+        <a:font script="Mlym" typeface="Kartika"/>
+        <a:font script="Laoo" typeface="DokChampa"/>
+        <a:font script="Sinh" typeface="Iskoola Pota"/>
+        <a:font script="Mong" typeface="Mongolian Baiti"/>
+        <a:font script="Viet" typeface="Times New Roman"/>
+        <a:font script="Uigh" typeface="Microsoft Uighur"/>
+        <a:font script="Geor" typeface="Sylfaen"/>
+        <a:font script="Armn" typeface="Arial"/>
+        <a:font script="Bugi" typeface="Leelawadee UI"/>
+        <a:font script="Bopo" typeface="Microsoft JhengHei"/>
+        <a:font script="Java" typeface="Javanese Text"/>
+        <a:font script="Lisu" typeface="Segoe UI"/>
+        <a:font script="Mymr" typeface="Myanmar Text"/>
+        <a:font script="Nkoo" typeface="Ebrima"/>
+        <a:font script="Olck" typeface="Nirmala UI"/>
+        <a:font script="Osma" typeface="Ebrima"/>
+        <a:font script="Phag" typeface="Phagspa"/>
+        <a:font script="Syrn" typeface="Estrangelo Edessa"/>
+        <a:font script="Syrj" typeface="Estrangelo Edessa"/>
+        <a:font script="Syre" typeface="Estrangelo Edessa"/>
+        <a:font script="Sora" typeface="Nirmala UI"/>
+        <a:font script="Tale" typeface="Microsoft Tai Le"/>
+        <a:font script="Talu" typeface="Microsoft New Tai Lue"/>
+        <a:font script="Tfng" typeface="Ebrima"/>
+      </a:majorFont>
+      <a:minorFont>
+        <a:latin typeface="Aptos" panose="02110004020202020204"/>
+        <a:ea typeface=""/>
+        <a:cs typeface=""/>
+        <a:font script="Jpan" typeface="游ゴシック"/>
+        <a:font script="Hang" typeface="맑은 고딕"/>
+        <a:font script="Hans" typeface="等线"/>
+        <a:font script="Hant" typeface="新細明體"/>
+        <a:font script="Arab" typeface="Arial"/>
+        <a:font script="Hebr" typeface="Arial"/>
+        <a:font script="Thai" typeface="Cordia New"/>
+        <a:font script="Ethi" typeface="Nyala"/>
+        <a:font script="Beng" typeface="Vrinda"/>
+        <a:font script="Gujr" typeface="Shruti"/>
+        <a:font script="Khmr" typeface="DaunPenh"/>
+        <a:font script="Knda" typeface="Tunga"/>
+        <a:font script="Guru" typeface="Raavi"/>
+        <a:font script="Cans" typeface="Euphemia"/>
+        <a:font script="Cher" typeface="Plantagenet Cherokee"/>
+        <a:font script="Yiii" typeface="Microsoft Yi Baiti"/>
+        <a:font script="Tibt" typeface="Microsoft Himalaya"/>
+        <a:font script="Thaa" typeface="MV Boli"/>
+        <a:font script="Deva" typeface="Mangal"/>
+        <a:font script="Telu" typeface="Gautami"/>
+        <a:font script="Taml" typeface="Latha"/>
+        <a:font script="Syrc" typeface="Estrangelo Edessa"/>
+        <a:font script="Orya" typeface="Kalinga"/>
+        <a:font script="Mlym" typeface="Kartika"/>
+        <a:font script="Laoo" typeface="DokChampa"/>
+        <a:font script="Sinh" typeface="Iskoola Pota"/>
+        <a:font script="Mong" typeface="Mongolian Baiti"/>
+        <a:font script="Viet" typeface="Arial"/>
+        <a:font script="Uigh" typeface="Microsoft Uighur"/>
+        <a:font script="Geor" typeface="Sylfaen"/>
+        <a:font script="Armn" typeface="Arial"/>
+        <a:font script="Bugi" typeface="Leelawadee UI"/>
+        <a:font script="Bopo" typeface="Microsoft JhengHei"/>
+        <a:font script="Java" typeface="Javanese Text"/>
+        <a:font script="Lisu" typeface="Segoe UI"/>
+        <a:font script="Mymr" typeface="Myanmar Text"/>
+        <a:font script="Nkoo" typeface="Ebrima"/>
+        <a:font script="Olck" typeface="Nirmala UI"/>
+        <a:font script="Osma" typeface="Ebrima"/>
+        <a:font script="Phag" typeface="Phagspa"/>
+        <a:font script="Syrn" typeface="Estrangelo Edessa"/>
+        <a:font script="Syrj" typeface="Estrangelo Edessa"/>
+        <a:font script="Syre" typeface="Estrangelo Edessa"/>
+        <a:font script="Sora" typeface="Nirmala UI"/>
+        <a:font script="Tale" typeface="Microsoft Tai Le"/>
+        <a:font script="Talu" typeface="Microsoft New Tai Lue"/>
+        <a:font script="Tfng" typeface="Ebrima"/>
+      </a:minorFont>
+    </a:fontScheme>
+    <a:fmtScheme name="Office">
+      <a:fillStyleLst>
+        <a:solidFill>
+          <a:schemeClr val="phClr"/>
+        </a:solidFill>
+        <a:gradFill rotWithShape="1">
+          <a:gsLst>
+            <a:gs pos="0">
+              <a:schemeClr val="phClr">
+                <a:lumMod val="110000"/>
+                <a:satMod val="105000"/>
+                <a:tint val="67000"/>
+              </a:schemeClr>
+            </a:gs>
+            <a:gs pos="50000">
+              <a:schemeClr val="phClr">
+                <a:lumMod val="105000"/>
+                <a:satMod val="103000"/>
+                <a:tint val="73000"/>
+              </a:schemeClr>
+            </a:gs>
+            <a:gs pos="100000">
+              <a:schemeClr val="phClr">
+                <a:lumMod val="105000"/>
+                <a:satMod val="109000"/>
+                <a:tint val="81000"/>
+              </a:schemeClr>
+            </a:gs>
+          </a:gsLst>
+          <a:lin ang="5400000" scaled="0"/>
+        </a:gradFill>
+        <a:gradFill rotWithShape="1">
+          <a:gsLst>
+            <a:gs pos="0">
+              <a:schemeClr val="phClr">
+                <a:satMod val="103000"/>
+                <a:lumMod val="102000"/>
+                <a:tint val="94000"/>
+              </a:schemeClr>
+            </a:gs>
+            <a:gs pos="50000">
+              <a:schemeClr val="phClr">
+                <a:satMod val="110000"/>
+                <a:lumMod val="100000"/>
+                <a:shade val="100000"/>
+              </a:schemeClr>
+            </a:gs>
+            <a:gs pos="100000">
+              <a:schemeClr val="phClr">
+                <a:lumMod val="99000"/>
+                <a:satMod val="120000"/>
+                <a:shade val="78000"/>
+              </a:schemeClr>
+            </a:gs>
+          </a:gsLst>
+          <a:lin ang="5400000" scaled="0"/>
+        </a:gradFill>
+      </a:fillStyleLst>
+      <a:lnStyleLst>
+        <a:ln w="12700" cap="flat" cmpd="sng" algn="ctr">
+          <a:solidFill>
+            <a:schemeClr val="phClr"/>
+          </a:solidFill>
+          <a:prstDash val="solid"/>
+          <a:miter lim="800000"/>
+        </a:ln>
+        <a:ln w="19050" cap="flat" cmpd="sng" algn="ctr">
+          <a:solidFill>
+            <a:schemeClr val="phClr"/>
+          </a:solidFill>
+          <a:prstDash val="solid"/>
+          <a:miter lim="800000"/>
+        </a:ln>
+        <a:ln w="25400" cap="flat" cmpd="sng" algn="ctr">
+          <a:solidFill>
+            <a:schemeClr val="phClr"/>
+          </a:solidFill>
+          <a:prstDash val="solid"/>
+          <a:miter lim="800000"/>
+        </a:ln>
+      </a:lnStyleLst>
+      <a:effectStyleLst>
+        <a:effectStyle>
+          <a:effectLst/>
+        </a:effectStyle>
+        <a:effectStyle>
+          <a:effectLst/>
+        </a:effectStyle>
+        <a:effectStyle>
+          <a:effectLst>
+            <a:outerShdw blurRad="57150" dist="19050" dir="5400000" algn="ctr" rotWithShape="0">
+              <a:srgbClr val="000000">
+                <a:alpha val="63000"/>
+              </a:srgbClr>
+            </a:outerShdw>
+          </a:effectLst>
+        </a:effectStyle>
+      </a:effectStyleLst>
+      <a:bgFillStyleLst>
+        <a:solidFill>
+          <a:schemeClr val="phClr"/>
+        </a:solidFill>
+        <a:solidFill>
+          <a:schemeClr val="phClr">
+            <a:tint val="95000"/>
+            <a:satMod val="170000"/>
+          </a:schemeClr>
+        </a:solidFill>
+        <a:gradFill rotWithShape="1">
+          <a:gsLst>
+            <a:gs pos="0">
+              <a:schemeClr val="phClr">
+                <a:tint val="93000"/>
+                <a:satMod val="150000"/>
+                <a:shade val="98000"/>
+                <a:lumMod val="102000"/>
+              </a:schemeClr>
+            </a:gs>
+            <a:gs pos="50000">
+              <a:schemeClr val="phClr">
+                <a:tint val="98000"/>
+                <a:satMod val="130000"/>
+                <a:shade val="90000"/>
+                <a:lumMod val="103000"/>
+              </a:schemeClr>
+            </a:gs>
+            <a:gs pos="100000">
+              <a:schemeClr val="phClr">
+                <a:shade val="63000"/>
+                <a:satMod val="120000"/>
+              </a:schemeClr>
+            </a:gs>
+          </a:gsLst>
+          <a:lin ang="5400000" scaled="0"/>
+        </a:gradFill>
+      </a:bgFillStyleLst>
+    </a:fmtScheme>
+  </a:themeElements>
+  <a:objectDefaults>
+    <a:lnDef>
+      <a:spPr/>
+      <a:bodyPr/>
+      <a:lstStyle/>
+      <a:style>
+        <a:lnRef idx="2">
+          <a:schemeClr val="accent1"/>
+        </a:lnRef>
+        <a:fillRef idx="0">
+          <a:schemeClr val="accent1"/>
+        </a:fillRef>
+        <a:effectRef idx="1">
+          <a:schemeClr val="accent1"/>
+        </a:effectRef>
+        <a:fontRef idx="minor">
+          <a:schemeClr val="tx1"/>
+        </a:fontRef>
+      </a:style>
+    </a:lnDef>
+  </a:objectDefaults>
+  <a:extraClrSchemeLst/>
+  <a:extLst>
+    <a:ext uri="{05A4C25C-085E-4340-85A3-A5531E510DB2}">
+      <thm15:themeFamily xmlns:thm15="http://schemas.microsoft.com/office/thememl/2012/main" name="Office Theme" id="{2E142A2C-CD16-42D6-873A-C26D2A0506FA}" vid="{1BDDFF52-6CD6-40A5-AB3C-68EB2F1E4D0A}"/>
+    </a:ext>
+  </a:extLst>
+</a:theme>
 </file>